--- a/DOC/240910_프로젝트만들기.pptx
+++ b/DOC/240910_프로젝트만들기.pptx
@@ -28,22 +28,10 @@
     <p:sldId id="279" r:id="rId22"/>
     <p:sldId id="280" r:id="rId23"/>
     <p:sldId id="285" r:id="rId24"/>
-    <p:sldId id="283" r:id="rId25"/>
-    <p:sldId id="277" r:id="rId26"/>
-    <p:sldId id="281" r:id="rId27"/>
-    <p:sldId id="286" r:id="rId28"/>
-    <p:sldId id="287" r:id="rId29"/>
-    <p:sldId id="288" r:id="rId30"/>
-    <p:sldId id="289" r:id="rId31"/>
-    <p:sldId id="290" r:id="rId32"/>
-    <p:sldId id="291" r:id="rId33"/>
-    <p:sldId id="292" r:id="rId34"/>
-    <p:sldId id="293" r:id="rId35"/>
-    <p:sldId id="294" r:id="rId36"/>
-    <p:sldId id="295" r:id="rId37"/>
-    <p:sldId id="296" r:id="rId38"/>
-    <p:sldId id="297" r:id="rId39"/>
-    <p:sldId id="298" r:id="rId40"/>
+    <p:sldId id="295" r:id="rId25"/>
+    <p:sldId id="296" r:id="rId26"/>
+    <p:sldId id="297" r:id="rId27"/>
+    <p:sldId id="298" r:id="rId28"/>
   </p:sldIdLst>
   <p:sldSz cx="12192000" cy="6858000"/>
   <p:notesSz cx="6858000" cy="9144000"/>
@@ -315,62 +303,6 @@
     </inkml:brush>
   </inkml:definitions>
   <inkml:trace contextRef="#ctx0" brushRef="#br0">1720 284 24575,'-1'-2'0,"1"1"0,-1 0 0,0-1 0,1 1 0,-1 0 0,0 0 0,0-1 0,0 1 0,0 0 0,0 0 0,0 0 0,0 0 0,0 0 0,0 0 0,0 0 0,-1 1 0,1-1 0,0 0 0,-1 1 0,-1-2 0,-37-13 0,30 12 0,-12-6 0,0 1 0,-1 1 0,-44-7 0,7 5 0,22 2 0,-69-2 0,86 8 0,0-1 0,-29-7 0,-37-4 0,59 13 0,-17-1 0,-88-13 0,71 6 0,0 3 0,0 2 0,-68 6 0,10 0 0,95-4 0,0 2 0,0 1 0,0 1 0,1 1 0,-1 1 0,1 1 0,-24 9 0,29-9 0,0-1 0,-35 4 0,39-7 0,-1 0 0,1 1 0,0 1 0,0 1 0,-22 9 0,33-12 0,-1 1 0,1-1 0,0 1 0,1 0 0,-1 1 0,0-1 0,1 1 0,0-1 0,0 1 0,0 0 0,0 0 0,0 0 0,1 1 0,0-1 0,0 1 0,0-1 0,1 1 0,-1 0 0,1-1 0,0 1 0,0 0 0,0 6 0,1-1 0,0 1 0,1-1 0,0 1 0,1-1 0,0 1 0,0-1 0,1 0 0,1 1 0,0-2 0,0 1 0,1 0 0,0-1 0,0 0 0,10 13 0,-6-11 0,-1-1 0,1 0 0,1 0 0,0 0 0,0-1 0,1-1 0,0 0 0,1 0 0,-1-1 0,25 10 0,-7-8 0,0-2 0,1 0 0,0-3 0,55 3 0,-40-4 0,42 9 0,-55-6 0,55 2 0,-25-9 0,-26 0 0,-1 1 0,1 2 0,62 12 0,-54-7 0,0-2 0,0-2 0,1-2 0,49-4 0,9 0 0,1155 3 0,-1229-2 0,0-1 0,34-8 0,-5 1 0,43-14 0,-77 17 0,0 0 0,1 2 0,32-3 0,37-5 0,-67 8 0,-1 1 0,31-1 0,63 7 0,94-4 0,-173-4 0,-1-3 0,0-1 0,0-2 0,40-18 0,-65 24 0,-1 1 0,0-2 0,0 0 0,0-1 0,-1 0 0,15-12 0,-25 17 0,0 1 0,0-1 0,0 0 0,-1 0 0,1 0 0,-1-1 0,0 1 0,0-1 0,0 1 0,0-1 0,-1 1 0,1-1 0,-1 0 0,0 0 0,0 0 0,-1 0 0,1 0 0,-1 0 0,0 0 0,0 0 0,0 0 0,0 0 0,-1 0 0,1 0 0,-1 0 0,0 0 0,-1 1 0,1-1 0,-4-6 0,1 2 0,0 2 0,-1-1 0,0 1 0,0-1 0,0 1 0,-1 1 0,0-1 0,0 1 0,-8-6 0,-67-39 0,71 44 0,-37-17 0,-2 1 0,0 3 0,-2 2 0,-62-13 0,1 8 0,-200-14 0,179 24 0,-137-5 0,-438 18 0,682 1 0,0 1 0,0 1 0,0 2 0,1 1 0,-28 10 0,-46 12 0,51-18 0,22-4 0,-1-1 0,0-1 0,-50 2 0,-308-9-1365,363 2-5461</inkml:trace>
-</inkml:ink>
-</file>
-
-<file path=ppt/ink/ink7.xml><?xml version="1.0" encoding="utf-8"?>
-<inkml:ink xmlns:inkml="http://www.w3.org/2003/InkML">
-  <inkml:definitions>
-    <inkml:context xml:id="ctx0">
-      <inkml:inkSource xml:id="inkSrc0">
-        <inkml:traceFormat>
-          <inkml:channel name="X" type="integer" min="-2.14748E9" max="2.14748E9" units="cm"/>
-          <inkml:channel name="Y" type="integer" min="-2.14748E9" max="2.14748E9" units="cm"/>
-          <inkml:channel name="F" type="integer" max="32767" units="dev"/>
-        </inkml:traceFormat>
-        <inkml:channelProperties>
-          <inkml:channelProperty channel="X" name="resolution" value="1000" units="1/cm"/>
-          <inkml:channelProperty channel="Y" name="resolution" value="1000" units="1/cm"/>
-          <inkml:channelProperty channel="F" name="resolution" value="0" units="1/dev"/>
-        </inkml:channelProperties>
-      </inkml:inkSource>
-      <inkml:timestamp xml:id="ts0" timeString="2024-09-10T02:42:49.313"/>
-    </inkml:context>
-    <inkml:brush xml:id="br0">
-      <inkml:brushProperty name="width" value="0.035" units="cm"/>
-      <inkml:brushProperty name="height" value="0.035" units="cm"/>
-      <inkml:brushProperty name="color" value="#E71224"/>
-    </inkml:brush>
-  </inkml:definitions>
-  <inkml:trace contextRef="#ctx0" brushRef="#br0">1691 1 24575,'-27'2'0,"0"1"0,0 2 0,0 0 0,-51 19 0,40-12 0,-48 9 0,-35 4 0,-65 8 0,106-23 0,32-3 0,-55 0 0,-46 6 0,99-6 0,-58-1 0,69-6 0,0 2 0,-64 11 0,18-2 0,-19 4 0,42-9 0,52-6 0,0 0 0,-1 1 0,1 0 0,0 1 0,-15 4 0,24-5 0,-1-1 0,1 1 0,-1 0 0,1-1 0,-1 1 0,1 0 0,-1 0 0,1 0 0,0 0 0,-1 0 0,1 1 0,0-1 0,0 0 0,0 0 0,0 1 0,0-1 0,0 1 0,1-1 0,-1 1 0,0-1 0,1 1 0,-1 0 0,0 2 0,1-1 0,0 1 0,0 0 0,0-1 0,1 1 0,-1-1 0,1 1 0,0-1 0,0 1 0,0-1 0,3 6 0,1 2 0,1-1 0,0 0 0,1 0 0,0 0 0,16 16 0,3-3 0,1-2 0,1 0 0,0-2 0,2-1 0,0-2 0,56 23 0,203 51 0,-270-84 0,58 11 0,92 8 0,-34-6 0,-70-12 0,118-1 0,-113-6 0,100 12 0,-50 0 0,219-7 0,-195-6 0,42-13 0,-2 1 0,887 14 0,-1042-4 0,1-1 0,-1-1 0,-1-1 0,1-2 0,-1-1 0,32-14 0,14-5 0,-62 25 0,33-12 0,63-30 0,-96 39 0,1-1 0,-1 0 0,-1-1 0,1-1 0,-1 1 0,-1-2 0,0 1 0,0-2 0,13-17 0,-21 26 0,1-1 0,-1 0 0,0 0 0,-1 0 0,1-1 0,0 1 0,-1 0 0,0-1 0,1 1 0,-2-1 0,1 1 0,0-1 0,-1 1 0,1-1 0,-1 0 0,0 1 0,0-1 0,0 0 0,-1 1 0,0-1 0,1 1 0,-1-1 0,0 1 0,-1-1 0,1 1 0,0 0 0,-1-1 0,0 1 0,0 0 0,0 0 0,0 0 0,0 0 0,-1 1 0,1-1 0,-1 1 0,0-1 0,0 1 0,0 0 0,-4-2 0,-11-7 0,0 2 0,0 0 0,-1 1 0,0 1 0,-31-8 0,-53-14 0,-103-26 0,190 52 0,-241-47 0,-79-12 0,314 58 0,-33-6 0,0 2 0,-65-1 0,86 7 0,-53-8 0,52 4 0,-48-1 0,-12 6 0,-215 4 0,199 9 0,63-5 0,-57-1 0,-688-7 0,783 1-136,1 1-1,0 0 1,0 0-1,0 1 1,0 0-1,0 0 1,0 1-1,0 0 0,-13 7 1,9-1-6690</inkml:trace>
-</inkml:ink>
-</file>
-
-<file path=ppt/ink/ink8.xml><?xml version="1.0" encoding="utf-8"?>
-<inkml:ink xmlns:inkml="http://www.w3.org/2003/InkML">
-  <inkml:definitions>
-    <inkml:context xml:id="ctx0">
-      <inkml:inkSource xml:id="inkSrc0">
-        <inkml:traceFormat>
-          <inkml:channel name="X" type="integer" min="-2.14748E9" max="2.14748E9" units="cm"/>
-          <inkml:channel name="Y" type="integer" min="-2.14748E9" max="2.14748E9" units="cm"/>
-          <inkml:channel name="F" type="integer" max="32767" units="dev"/>
-        </inkml:traceFormat>
-        <inkml:channelProperties>
-          <inkml:channelProperty channel="X" name="resolution" value="1000" units="1/cm"/>
-          <inkml:channelProperty channel="Y" name="resolution" value="1000" units="1/cm"/>
-          <inkml:channelProperty channel="F" name="resolution" value="0" units="1/dev"/>
-        </inkml:channelProperties>
-      </inkml:inkSource>
-      <inkml:timestamp xml:id="ts0" timeString="2024-09-10T02:42:55.766"/>
-    </inkml:context>
-    <inkml:brush xml:id="br0">
-      <inkml:brushProperty name="width" value="0.035" units="cm"/>
-      <inkml:brushProperty name="height" value="0.035" units="cm"/>
-      <inkml:brushProperty name="color" value="#E71224"/>
-    </inkml:brush>
-  </inkml:definitions>
-  <inkml:trace contextRef="#ctx0" brushRef="#br0">1 0 24575,'4'0'0</inkml:trace>
 </inkml:ink>
 </file>
 
@@ -5483,8 +5415,8 @@
             <a:chExt cx="2895480" cy="1737360"/>
           </a:xfrm>
         </p:grpSpPr>
-        <mc:AlternateContent xmlns:mc="http://schemas.openxmlformats.org/markup-compatibility/2006">
-          <mc:Choice xmlns:p14="http://schemas.microsoft.com/office/powerpoint/2010/main" Requires="p14">
+        <mc:AlternateContent xmlns:mc="http://schemas.openxmlformats.org/markup-compatibility/2006" xmlns:p14="http://schemas.microsoft.com/office/powerpoint/2010/main">
+          <mc:Choice Requires="p14">
             <p:contentPart p14:bwMode="auto" r:id="rId3">
               <p14:nvContentPartPr>
                 <p14:cNvPr id="6" name="잉크 5">
@@ -5503,7 +5435,7 @@
               </p14:xfrm>
             </p:contentPart>
           </mc:Choice>
-          <mc:Fallback>
+          <mc:Fallback xmlns="">
             <p:pic>
               <p:nvPicPr>
                 <p:cNvPr id="6" name="잉크 5">
@@ -5534,8 +5466,8 @@
             </p:pic>
           </mc:Fallback>
         </mc:AlternateContent>
-        <mc:AlternateContent xmlns:mc="http://schemas.openxmlformats.org/markup-compatibility/2006">
-          <mc:Choice xmlns:p14="http://schemas.microsoft.com/office/powerpoint/2010/main" Requires="p14">
+        <mc:AlternateContent xmlns:mc="http://schemas.openxmlformats.org/markup-compatibility/2006" xmlns:p14="http://schemas.microsoft.com/office/powerpoint/2010/main">
+          <mc:Choice Requires="p14">
             <p:contentPart p14:bwMode="auto" r:id="rId5">
               <p14:nvContentPartPr>
                 <p14:cNvPr id="7" name="잉크 6">
@@ -5554,7 +5486,7 @@
               </p14:xfrm>
             </p:contentPart>
           </mc:Choice>
-          <mc:Fallback>
+          <mc:Fallback xmlns="">
             <p:pic>
               <p:nvPicPr>
                 <p:cNvPr id="7" name="잉크 6">
@@ -7242,50 +7174,10 @@
           <a:chExt cx="0" cy="0"/>
         </a:xfrm>
       </p:grpSpPr>
-      <p:sp>
-        <p:nvSpPr>
-          <p:cNvPr id="2" name="TextBox 1">
-            <a:extLst>
-              <a:ext uri="{FF2B5EF4-FFF2-40B4-BE49-F238E27FC236}">
-                <a16:creationId xmlns:a16="http://schemas.microsoft.com/office/drawing/2014/main" id="{84079C4D-B9F5-EE23-8034-401E94E43F8C}"/>
-              </a:ext>
-            </a:extLst>
-          </p:cNvPr>
-          <p:cNvSpPr txBox="1"/>
-          <p:nvPr/>
-        </p:nvSpPr>
-        <p:spPr>
-          <a:xfrm>
-            <a:off x="1653309" y="2413337"/>
-            <a:ext cx="8504251" cy="1015663"/>
-          </a:xfrm>
-          <a:prstGeom prst="rect">
-            <a:avLst/>
-          </a:prstGeom>
-          <a:noFill/>
-        </p:spPr>
-        <p:txBody>
-          <a:bodyPr wrap="none" rtlCol="0">
-            <a:spAutoFit/>
-          </a:bodyPr>
-          <a:lstStyle/>
-          <a:p>
-            <a:r>
-              <a:rPr lang="ko-KR" altLang="en-US" sz="6000" dirty="0"/>
-              <a:t>프로그램이란 무엇인가</a:t>
-            </a:r>
-            <a:r>
-              <a:rPr lang="en-US" altLang="ko-KR" sz="6000" dirty="0"/>
-              <a:t>?</a:t>
-            </a:r>
-            <a:endParaRPr lang="ko-KR" altLang="en-US" sz="6000" dirty="0"/>
-          </a:p>
-        </p:txBody>
-      </p:sp>
     </p:spTree>
     <p:extLst>
       <p:ext uri="{BB962C8B-B14F-4D97-AF65-F5344CB8AC3E}">
-        <p14:creationId xmlns:p14="http://schemas.microsoft.com/office/powerpoint/2010/main" val="3829778480"/>
+        <p14:creationId xmlns:p14="http://schemas.microsoft.com/office/powerpoint/2010/main" val="1784649206"/>
       </p:ext>
     </p:extLst>
   </p:cSld>
@@ -7312,271 +7204,10 @@
           <a:chExt cx="0" cy="0"/>
         </a:xfrm>
       </p:grpSpPr>
-      <p:sp>
-        <p:nvSpPr>
-          <p:cNvPr id="2" name="TextBox 1">
-            <a:extLst>
-              <a:ext uri="{FF2B5EF4-FFF2-40B4-BE49-F238E27FC236}">
-                <a16:creationId xmlns:a16="http://schemas.microsoft.com/office/drawing/2014/main" id="{2DF9ECFE-B7EA-9E47-B858-BB174555FD33}"/>
-              </a:ext>
-            </a:extLst>
-          </p:cNvPr>
-          <p:cNvSpPr txBox="1"/>
-          <p:nvPr/>
-        </p:nvSpPr>
-        <p:spPr>
-          <a:xfrm>
-            <a:off x="314036" y="387585"/>
-            <a:ext cx="10493050" cy="1631216"/>
-          </a:xfrm>
-          <a:prstGeom prst="rect">
-            <a:avLst/>
-          </a:prstGeom>
-        </p:spPr>
-        <p:style>
-          <a:lnRef idx="2">
-            <a:schemeClr val="accent4"/>
-          </a:lnRef>
-          <a:fillRef idx="1">
-            <a:schemeClr val="lt1"/>
-          </a:fillRef>
-          <a:effectRef idx="0">
-            <a:schemeClr val="accent4"/>
-          </a:effectRef>
-          <a:fontRef idx="minor">
-            <a:schemeClr val="dk1"/>
-          </a:fontRef>
-        </p:style>
-        <p:txBody>
-          <a:bodyPr wrap="square" rtlCol="0">
-            <a:spAutoFit/>
-          </a:bodyPr>
-          <a:lstStyle/>
-          <a:p>
-            <a:r>
-              <a:rPr lang="en-US" altLang="ko-KR" sz="2000" dirty="0"/>
-              <a:t>1. </a:t>
-            </a:r>
-            <a:r>
-              <a:rPr lang="ko-KR" altLang="en-US" sz="2000" dirty="0"/>
-              <a:t>일단 요약하자면 프로그램 </a:t>
-            </a:r>
-            <a:r>
-              <a:rPr lang="en-US" altLang="ko-KR" sz="2000" dirty="0"/>
-              <a:t>.exe </a:t>
-            </a:r>
-            <a:r>
-              <a:rPr lang="ko-KR" altLang="en-US" sz="2000" dirty="0"/>
-              <a:t>파일을 말합니다</a:t>
-            </a:r>
-            <a:r>
-              <a:rPr lang="en-US" altLang="ko-KR" sz="2000" dirty="0"/>
-              <a:t>.</a:t>
-            </a:r>
-          </a:p>
-          <a:p>
-            <a:endParaRPr lang="en-US" altLang="ko-KR" sz="2000" dirty="0"/>
-          </a:p>
-          <a:p>
-            <a:r>
-              <a:rPr lang="en-US" altLang="ko-KR" sz="2000" dirty="0"/>
-              <a:t>2. </a:t>
-            </a:r>
-            <a:r>
-              <a:rPr lang="ko-KR" altLang="en-US" sz="2000" dirty="0"/>
-              <a:t>하드디스크에 존재하는 실행파일이라고 부릅니다</a:t>
-            </a:r>
-            <a:r>
-              <a:rPr lang="en-US" altLang="ko-KR" sz="2000" dirty="0"/>
-              <a:t>. </a:t>
-            </a:r>
-          </a:p>
-          <a:p>
-            <a:endParaRPr lang="en-US" altLang="ko-KR" sz="2000" dirty="0"/>
-          </a:p>
-          <a:p>
-            <a:r>
-              <a:rPr lang="en-US" altLang="ko-KR" sz="2000" dirty="0"/>
-              <a:t>3. </a:t>
-            </a:r>
-            <a:r>
-              <a:rPr lang="ko-KR" altLang="en-US" sz="2000" dirty="0"/>
-              <a:t>하드디스크에 존재하면 프로그램 </a:t>
-            </a:r>
-            <a:r>
-              <a:rPr lang="en-US" altLang="ko-KR" sz="2000" dirty="0"/>
-              <a:t>Ram</a:t>
-            </a:r>
-            <a:r>
-              <a:rPr lang="ko-KR" altLang="en-US" sz="2000" dirty="0"/>
-              <a:t>에 올라가면 프로세스라고 부릅니다</a:t>
-            </a:r>
-            <a:r>
-              <a:rPr lang="en-US" altLang="ko-KR" sz="2000" dirty="0"/>
-              <a:t>.</a:t>
-            </a:r>
-          </a:p>
-        </p:txBody>
-      </p:sp>
-      <p:sp>
-        <p:nvSpPr>
-          <p:cNvPr id="3" name="TextBox 2">
-            <a:extLst>
-              <a:ext uri="{FF2B5EF4-FFF2-40B4-BE49-F238E27FC236}">
-                <a16:creationId xmlns:a16="http://schemas.microsoft.com/office/drawing/2014/main" id="{94A62ADB-A02D-77A3-9CB8-C049F8788C7F}"/>
-              </a:ext>
-            </a:extLst>
-          </p:cNvPr>
-          <p:cNvSpPr txBox="1"/>
-          <p:nvPr/>
-        </p:nvSpPr>
-        <p:spPr>
-          <a:xfrm>
-            <a:off x="314036" y="2414966"/>
-            <a:ext cx="10493050" cy="1631216"/>
-          </a:xfrm>
-          <a:prstGeom prst="rect">
-            <a:avLst/>
-          </a:prstGeom>
-        </p:spPr>
-        <p:style>
-          <a:lnRef idx="2">
-            <a:schemeClr val="accent4"/>
-          </a:lnRef>
-          <a:fillRef idx="1">
-            <a:schemeClr val="lt1"/>
-          </a:fillRef>
-          <a:effectRef idx="0">
-            <a:schemeClr val="accent4"/>
-          </a:effectRef>
-          <a:fontRef idx="minor">
-            <a:schemeClr val="dk1"/>
-          </a:fontRef>
-        </p:style>
-        <p:txBody>
-          <a:bodyPr wrap="square" rtlCol="0">
-            <a:spAutoFit/>
-          </a:bodyPr>
-          <a:lstStyle/>
-          <a:p>
-            <a:pPr marL="457200" indent="-457200">
-              <a:buAutoNum type="arabicPeriod"/>
-            </a:pPr>
-            <a:r>
-              <a:rPr lang="ko-KR" altLang="en-US" sz="2000" dirty="0"/>
-              <a:t>눈에 보이는 </a:t>
-            </a:r>
-            <a:r>
-              <a:rPr lang="ko-KR" altLang="en-US" sz="2000" dirty="0" err="1"/>
-              <a:t>모든것과</a:t>
-            </a:r>
-            <a:r>
-              <a:rPr lang="ko-KR" altLang="en-US" sz="2000" dirty="0"/>
-              <a:t> 내가 친 코드의 </a:t>
-            </a:r>
-            <a:r>
-              <a:rPr lang="ko-KR" altLang="en-US" sz="2000" dirty="0" err="1"/>
-              <a:t>모든건</a:t>
-            </a:r>
-            <a:r>
-              <a:rPr lang="ko-KR" altLang="en-US" sz="2000" dirty="0"/>
-              <a:t> 저장공간에 위치가 있어야 한다</a:t>
-            </a:r>
-            <a:r>
-              <a:rPr lang="en-US" altLang="ko-KR" sz="2000" dirty="0"/>
-              <a:t>.</a:t>
-            </a:r>
-          </a:p>
-          <a:p>
-            <a:pPr marL="457200" indent="-457200">
-              <a:buAutoNum type="arabicPeriod"/>
-            </a:pPr>
-            <a:endParaRPr lang="en-US" altLang="ko-KR" sz="2000" dirty="0"/>
-          </a:p>
-          <a:p>
-            <a:pPr marL="457200" indent="-457200">
-              <a:buAutoNum type="arabicPeriod"/>
-            </a:pPr>
-            <a:r>
-              <a:rPr lang="ko-KR" altLang="en-US" sz="2000" dirty="0"/>
-              <a:t>공짜는 없어요</a:t>
-            </a:r>
-            <a:r>
-              <a:rPr lang="en-US" altLang="ko-KR" sz="2000" dirty="0"/>
-              <a:t>. </a:t>
-            </a:r>
-            <a:r>
-              <a:rPr lang="ko-KR" altLang="en-US" sz="2000" dirty="0"/>
-              <a:t>무언가를 하면 무조건 </a:t>
-            </a:r>
-            <a:r>
-              <a:rPr lang="ko-KR" altLang="en-US" sz="2000" dirty="0" err="1"/>
-              <a:t>연산력과</a:t>
-            </a:r>
-            <a:r>
-              <a:rPr lang="ko-KR" altLang="en-US" sz="2000" dirty="0"/>
-              <a:t> 메모리를 지불해야 한다</a:t>
-            </a:r>
-            <a:r>
-              <a:rPr lang="en-US" altLang="ko-KR" sz="2000" dirty="0"/>
-              <a:t>.</a:t>
-            </a:r>
-          </a:p>
-          <a:p>
-            <a:r>
-              <a:rPr lang="en-US" altLang="ko-KR" sz="2000" dirty="0"/>
-              <a:t>     </a:t>
-            </a:r>
-            <a:r>
-              <a:rPr lang="ko-KR" altLang="en-US" sz="2000" dirty="0"/>
-              <a:t>여러분들이 코드를 치면 칠수록 느려진다</a:t>
-            </a:r>
-            <a:r>
-              <a:rPr lang="en-US" altLang="ko-KR" sz="2000" dirty="0"/>
-              <a:t>. </a:t>
-            </a:r>
-            <a:r>
-              <a:rPr lang="ko-KR" altLang="en-US" sz="2000" dirty="0"/>
-              <a:t>최적화를 자꾸 빠르게 만든다고 표현하는데</a:t>
-            </a:r>
-            <a:endParaRPr lang="en-US" altLang="ko-KR" sz="2000" dirty="0"/>
-          </a:p>
-          <a:p>
-            <a:r>
-              <a:rPr lang="en-US" altLang="ko-KR" sz="2000" dirty="0"/>
-              <a:t>     </a:t>
-            </a:r>
-            <a:r>
-              <a:rPr lang="ko-KR" altLang="en-US" sz="2000" dirty="0"/>
-              <a:t>전보다 </a:t>
-            </a:r>
-            <a:r>
-              <a:rPr lang="ko-KR" altLang="en-US" sz="2000" dirty="0" err="1"/>
-              <a:t>덜느리게</a:t>
-            </a:r>
-            <a:r>
-              <a:rPr lang="ko-KR" altLang="en-US" sz="2000" dirty="0"/>
-              <a:t> </a:t>
-            </a:r>
-            <a:r>
-              <a:rPr lang="ko-KR" altLang="en-US" sz="2000" dirty="0" err="1"/>
-              <a:t>만드는과정을</a:t>
-            </a:r>
-            <a:r>
-              <a:rPr lang="ko-KR" altLang="en-US" sz="2000" dirty="0"/>
-              <a:t> 말한다</a:t>
-            </a:r>
-            <a:r>
-              <a:rPr lang="en-US" altLang="ko-KR" sz="2000" dirty="0"/>
-              <a:t>.</a:t>
-            </a:r>
-          </a:p>
-        </p:txBody>
-      </p:sp>
     </p:spTree>
     <p:extLst>
       <p:ext uri="{BB962C8B-B14F-4D97-AF65-F5344CB8AC3E}">
-        <p14:creationId xmlns:p14="http://schemas.microsoft.com/office/powerpoint/2010/main" val="3930259283"/>
+        <p14:creationId xmlns:p14="http://schemas.microsoft.com/office/powerpoint/2010/main" val="3910420840"/>
       </p:ext>
     </p:extLst>
   </p:cSld>
@@ -7603,132 +7234,10 @@
           <a:chExt cx="0" cy="0"/>
         </a:xfrm>
       </p:grpSpPr>
-      <p:pic>
-        <p:nvPicPr>
-          <p:cNvPr id="8" name="그림 7">
-            <a:extLst>
-              <a:ext uri="{FF2B5EF4-FFF2-40B4-BE49-F238E27FC236}">
-                <a16:creationId xmlns:a16="http://schemas.microsoft.com/office/drawing/2014/main" id="{EAEB460C-99CE-B82C-3C44-E18B6535B101}"/>
-              </a:ext>
-            </a:extLst>
-          </p:cNvPr>
-          <p:cNvPicPr>
-            <a:picLocks noChangeAspect="1"/>
-          </p:cNvPicPr>
-          <p:nvPr/>
-        </p:nvPicPr>
-        <p:blipFill>
-          <a:blip r:embed="rId2"/>
-          <a:stretch>
-            <a:fillRect/>
-          </a:stretch>
-        </p:blipFill>
-        <p:spPr>
-          <a:xfrm>
-            <a:off x="430038" y="1464755"/>
-            <a:ext cx="6639852" cy="3134162"/>
-          </a:xfrm>
-          <a:prstGeom prst="rect">
-            <a:avLst/>
-          </a:prstGeom>
-        </p:spPr>
-      </p:pic>
-      <p:sp>
-        <p:nvSpPr>
-          <p:cNvPr id="2" name="TextBox 1">
-            <a:extLst>
-              <a:ext uri="{FF2B5EF4-FFF2-40B4-BE49-F238E27FC236}">
-                <a16:creationId xmlns:a16="http://schemas.microsoft.com/office/drawing/2014/main" id="{B9CCADF0-7BCC-342D-4AE9-B907247AE173}"/>
-              </a:ext>
-            </a:extLst>
-          </p:cNvPr>
-          <p:cNvSpPr txBox="1"/>
-          <p:nvPr/>
-        </p:nvSpPr>
-        <p:spPr>
-          <a:xfrm>
-            <a:off x="356147" y="189002"/>
-            <a:ext cx="10493050" cy="707886"/>
-          </a:xfrm>
-          <a:prstGeom prst="rect">
-            <a:avLst/>
-          </a:prstGeom>
-        </p:spPr>
-        <p:style>
-          <a:lnRef idx="2">
-            <a:schemeClr val="accent4"/>
-          </a:lnRef>
-          <a:fillRef idx="1">
-            <a:schemeClr val="lt1"/>
-          </a:fillRef>
-          <a:effectRef idx="0">
-            <a:schemeClr val="accent4"/>
-          </a:effectRef>
-          <a:fontRef idx="minor">
-            <a:schemeClr val="dk1"/>
-          </a:fontRef>
-        </p:style>
-        <p:txBody>
-          <a:bodyPr wrap="square" rtlCol="0">
-            <a:spAutoFit/>
-          </a:bodyPr>
-          <a:lstStyle/>
-          <a:p>
-            <a:pPr marL="457200" indent="-457200">
-              <a:buAutoNum type="arabicPeriod"/>
-            </a:pPr>
-            <a:r>
-              <a:rPr lang="ko-KR" altLang="en-US" sz="2000" dirty="0"/>
-              <a:t>이게 실행된데</a:t>
-            </a:r>
-            <a:r>
-              <a:rPr lang="en-US" altLang="ko-KR" sz="2000" dirty="0"/>
-              <a:t>????</a:t>
-            </a:r>
-          </a:p>
-          <a:p>
-            <a:pPr marL="457200" indent="-457200">
-              <a:buAutoNum type="arabicPeriod"/>
-            </a:pPr>
-            <a:r>
-              <a:rPr lang="ko-KR" altLang="en-US" sz="2000" dirty="0"/>
-              <a:t>각자 </a:t>
-            </a:r>
-            <a:r>
-              <a:rPr lang="ko-KR" altLang="en-US" sz="2000" dirty="0" err="1"/>
-              <a:t>어딘가에</a:t>
-            </a:r>
-            <a:r>
-              <a:rPr lang="ko-KR" altLang="en-US" sz="2000" dirty="0"/>
-              <a:t> 존재해야 </a:t>
-            </a:r>
-            <a:r>
-              <a:rPr lang="ko-KR" altLang="en-US" sz="2000" dirty="0" err="1"/>
-              <a:t>실행될수</a:t>
-            </a:r>
-            <a:r>
-              <a:rPr lang="ko-KR" altLang="en-US" sz="2000" dirty="0"/>
-              <a:t> 있다</a:t>
-            </a:r>
-            <a:r>
-              <a:rPr lang="en-US" altLang="ko-KR" sz="2000" dirty="0"/>
-              <a:t>. </a:t>
-            </a:r>
-            <a:r>
-              <a:rPr lang="ko-KR" altLang="en-US" sz="2000" dirty="0"/>
-              <a:t>그럼 어디에 있는데</a:t>
-            </a:r>
-            <a:r>
-              <a:rPr lang="en-US" altLang="ko-KR" sz="2000" dirty="0"/>
-              <a:t>?</a:t>
-            </a:r>
-          </a:p>
-        </p:txBody>
-      </p:sp>
     </p:spTree>
     <p:extLst>
       <p:ext uri="{BB962C8B-B14F-4D97-AF65-F5344CB8AC3E}">
-        <p14:creationId xmlns:p14="http://schemas.microsoft.com/office/powerpoint/2010/main" val="4224973504"/>
+        <p14:creationId xmlns:p14="http://schemas.microsoft.com/office/powerpoint/2010/main" val="2109257360"/>
       </p:ext>
     </p:extLst>
   </p:cSld>
@@ -7755,647 +7264,10 @@
           <a:chExt cx="0" cy="0"/>
         </a:xfrm>
       </p:grpSpPr>
-      <p:sp>
-        <p:nvSpPr>
-          <p:cNvPr id="2" name="TextBox 1">
-            <a:extLst>
-              <a:ext uri="{FF2B5EF4-FFF2-40B4-BE49-F238E27FC236}">
-                <a16:creationId xmlns:a16="http://schemas.microsoft.com/office/drawing/2014/main" id="{A192EB4F-3CB0-3EF8-7BD2-9D28D2478D7B}"/>
-              </a:ext>
-            </a:extLst>
-          </p:cNvPr>
-          <p:cNvSpPr txBox="1"/>
-          <p:nvPr/>
-        </p:nvSpPr>
-        <p:spPr>
-          <a:xfrm>
-            <a:off x="356147" y="189002"/>
-            <a:ext cx="10493050" cy="1015663"/>
-          </a:xfrm>
-          <a:prstGeom prst="rect">
-            <a:avLst/>
-          </a:prstGeom>
-        </p:spPr>
-        <p:style>
-          <a:lnRef idx="2">
-            <a:schemeClr val="accent4"/>
-          </a:lnRef>
-          <a:fillRef idx="1">
-            <a:schemeClr val="lt1"/>
-          </a:fillRef>
-          <a:effectRef idx="0">
-            <a:schemeClr val="accent4"/>
-          </a:effectRef>
-          <a:fontRef idx="minor">
-            <a:schemeClr val="dk1"/>
-          </a:fontRef>
-        </p:style>
-        <p:txBody>
-          <a:bodyPr wrap="square" rtlCol="0">
-            <a:spAutoFit/>
-          </a:bodyPr>
-          <a:lstStyle/>
-          <a:p>
-            <a:pPr marL="457200" indent="-457200">
-              <a:buAutoNum type="arabicPeriod"/>
-            </a:pPr>
-            <a:r>
-              <a:rPr lang="ko-KR" altLang="en-US" sz="2000" dirty="0"/>
-              <a:t>비주얼 스튜디오에서 프로그램을 만들어내는 방법은 아주 간단합니다</a:t>
-            </a:r>
-            <a:r>
-              <a:rPr lang="en-US" altLang="ko-KR" sz="2000" dirty="0"/>
-              <a:t>.</a:t>
-            </a:r>
-          </a:p>
-          <a:p>
-            <a:r>
-              <a:rPr lang="en-US" altLang="ko-KR" sz="2000" dirty="0"/>
-              <a:t>Exe</a:t>
-            </a:r>
-            <a:r>
-              <a:rPr lang="ko-KR" altLang="en-US" sz="2000" dirty="0"/>
-              <a:t>만드는 방법</a:t>
-            </a:r>
-            <a:endParaRPr lang="en-US" altLang="ko-KR" sz="2000" dirty="0"/>
-          </a:p>
-          <a:p>
-            <a:r>
-              <a:rPr lang="ko-KR" altLang="en-US" sz="2000" dirty="0"/>
-              <a:t>특정 프로그램을 만들려는 프로젝트가 시작프로젝트 여야 합니다</a:t>
-            </a:r>
-            <a:r>
-              <a:rPr lang="en-US" altLang="ko-KR" sz="2000" dirty="0"/>
-              <a:t>.</a:t>
-            </a:r>
-          </a:p>
-        </p:txBody>
-      </p:sp>
-      <p:pic>
-        <p:nvPicPr>
-          <p:cNvPr id="4" name="그림 3">
-            <a:extLst>
-              <a:ext uri="{FF2B5EF4-FFF2-40B4-BE49-F238E27FC236}">
-                <a16:creationId xmlns:a16="http://schemas.microsoft.com/office/drawing/2014/main" id="{A8B2B633-5051-63BC-6DDB-AE9D34786BDB}"/>
-              </a:ext>
-            </a:extLst>
-          </p:cNvPr>
-          <p:cNvPicPr>
-            <a:picLocks noChangeAspect="1"/>
-          </p:cNvPicPr>
-          <p:nvPr/>
-        </p:nvPicPr>
-        <p:blipFill>
-          <a:blip r:embed="rId2"/>
-          <a:stretch>
-            <a:fillRect/>
-          </a:stretch>
-        </p:blipFill>
-        <p:spPr>
-          <a:xfrm>
-            <a:off x="201243" y="1286622"/>
-            <a:ext cx="5401429" cy="5382376"/>
-          </a:xfrm>
-          <a:prstGeom prst="rect">
-            <a:avLst/>
-          </a:prstGeom>
-        </p:spPr>
-      </p:pic>
-      <p:pic>
-        <p:nvPicPr>
-          <p:cNvPr id="6" name="그림 5">
-            <a:extLst>
-              <a:ext uri="{FF2B5EF4-FFF2-40B4-BE49-F238E27FC236}">
-                <a16:creationId xmlns:a16="http://schemas.microsoft.com/office/drawing/2014/main" id="{80679434-3537-1451-5C51-CD30EBBCBC55}"/>
-              </a:ext>
-            </a:extLst>
-          </p:cNvPr>
-          <p:cNvPicPr>
-            <a:picLocks noChangeAspect="1"/>
-          </p:cNvPicPr>
-          <p:nvPr/>
-        </p:nvPicPr>
-        <p:blipFill>
-          <a:blip r:embed="rId3"/>
-          <a:stretch>
-            <a:fillRect/>
-          </a:stretch>
-        </p:blipFill>
-        <p:spPr>
-          <a:xfrm>
-            <a:off x="6096000" y="1442393"/>
-            <a:ext cx="3400900" cy="962159"/>
-          </a:xfrm>
-          <a:prstGeom prst="rect">
-            <a:avLst/>
-          </a:prstGeom>
-        </p:spPr>
-      </p:pic>
-      <mc:AlternateContent xmlns:mc="http://schemas.openxmlformats.org/markup-compatibility/2006">
-        <mc:Choice xmlns:p14="http://schemas.microsoft.com/office/powerpoint/2010/main" Requires="p14">
-          <p:contentPart p14:bwMode="auto" r:id="rId4">
-            <p14:nvContentPartPr>
-              <p14:cNvPr id="7" name="잉크 6">
-                <a:extLst>
-                  <a:ext uri="{FF2B5EF4-FFF2-40B4-BE49-F238E27FC236}">
-                    <a16:creationId xmlns:a16="http://schemas.microsoft.com/office/drawing/2014/main" id="{87AA54DB-1160-7355-2E4C-1F112E7DEA1B}"/>
-                  </a:ext>
-                </a:extLst>
-              </p14:cNvPr>
-              <p14:cNvContentPartPr/>
-              <p14:nvPr/>
-            </p14:nvContentPartPr>
-            <p14:xfrm>
-              <a:off x="6493967" y="1773189"/>
-              <a:ext cx="1496520" cy="268560"/>
-            </p14:xfrm>
-          </p:contentPart>
-        </mc:Choice>
-        <mc:Fallback>
-          <p:pic>
-            <p:nvPicPr>
-              <p:cNvPr id="7" name="잉크 6">
-                <a:extLst>
-                  <a:ext uri="{FF2B5EF4-FFF2-40B4-BE49-F238E27FC236}">
-                    <a16:creationId xmlns:a16="http://schemas.microsoft.com/office/drawing/2014/main" id="{87AA54DB-1160-7355-2E4C-1F112E7DEA1B}"/>
-                  </a:ext>
-                </a:extLst>
-              </p:cNvPr>
-              <p:cNvPicPr/>
-              <p:nvPr/>
-            </p:nvPicPr>
-            <p:blipFill>
-              <a:blip r:embed="rId5"/>
-              <a:stretch>
-                <a:fillRect/>
-              </a:stretch>
-            </p:blipFill>
-            <p:spPr>
-              <a:xfrm>
-                <a:off x="6487847" y="1767069"/>
-                <a:ext cx="1508760" cy="280800"/>
-              </a:xfrm>
-              <a:prstGeom prst="rect">
-                <a:avLst/>
-              </a:prstGeom>
-            </p:spPr>
-          </p:pic>
-        </mc:Fallback>
-      </mc:AlternateContent>
-      <mc:AlternateContent xmlns:mc="http://schemas.openxmlformats.org/markup-compatibility/2006">
-        <mc:Choice xmlns:p14="http://schemas.microsoft.com/office/powerpoint/2010/main" Requires="p14">
-          <p:contentPart p14:bwMode="auto" r:id="rId6">
-            <p14:nvContentPartPr>
-              <p14:cNvPr id="8" name="잉크 7">
-                <a:extLst>
-                  <a:ext uri="{FF2B5EF4-FFF2-40B4-BE49-F238E27FC236}">
-                    <a16:creationId xmlns:a16="http://schemas.microsoft.com/office/drawing/2014/main" id="{BC6C97A6-653A-8DF7-5B28-A420B32956AD}"/>
-                  </a:ext>
-                </a:extLst>
-              </p14:cNvPr>
-              <p14:cNvContentPartPr/>
-              <p14:nvPr/>
-            </p14:nvContentPartPr>
-            <p14:xfrm>
-              <a:off x="8358767" y="5172309"/>
-              <a:ext cx="1800" cy="360"/>
-            </p14:xfrm>
-          </p:contentPart>
-        </mc:Choice>
-        <mc:Fallback>
-          <p:pic>
-            <p:nvPicPr>
-              <p:cNvPr id="8" name="잉크 7">
-                <a:extLst>
-                  <a:ext uri="{FF2B5EF4-FFF2-40B4-BE49-F238E27FC236}">
-                    <a16:creationId xmlns:a16="http://schemas.microsoft.com/office/drawing/2014/main" id="{BC6C97A6-653A-8DF7-5B28-A420B32956AD}"/>
-                  </a:ext>
-                </a:extLst>
-              </p:cNvPr>
-              <p:cNvPicPr/>
-              <p:nvPr/>
-            </p:nvPicPr>
-            <p:blipFill>
-              <a:blip r:embed="rId7"/>
-              <a:stretch>
-                <a:fillRect/>
-              </a:stretch>
-            </p:blipFill>
-            <p:spPr>
-              <a:xfrm>
-                <a:off x="8352647" y="5166189"/>
-                <a:ext cx="14040" cy="12600"/>
-              </a:xfrm>
-              <a:prstGeom prst="rect">
-                <a:avLst/>
-              </a:prstGeom>
-            </p:spPr>
-          </p:pic>
-        </mc:Fallback>
-      </mc:AlternateContent>
-      <p:pic>
-        <p:nvPicPr>
-          <p:cNvPr id="10" name="그림 9">
-            <a:extLst>
-              <a:ext uri="{FF2B5EF4-FFF2-40B4-BE49-F238E27FC236}">
-                <a16:creationId xmlns:a16="http://schemas.microsoft.com/office/drawing/2014/main" id="{CD6CFFCA-0BFD-09B6-F6B9-202C43B99683}"/>
-              </a:ext>
-            </a:extLst>
-          </p:cNvPr>
-          <p:cNvPicPr>
-            <a:picLocks noChangeAspect="1"/>
-          </p:cNvPicPr>
-          <p:nvPr/>
-        </p:nvPicPr>
-        <p:blipFill>
-          <a:blip r:embed="rId8"/>
-          <a:stretch>
-            <a:fillRect/>
-          </a:stretch>
-        </p:blipFill>
-        <p:spPr>
-          <a:xfrm>
-            <a:off x="5850287" y="2610103"/>
-            <a:ext cx="9469171" cy="5611008"/>
-          </a:xfrm>
-          <a:prstGeom prst="rect">
-            <a:avLst/>
-          </a:prstGeom>
-        </p:spPr>
-      </p:pic>
-      <p:sp>
-        <p:nvSpPr>
-          <p:cNvPr id="12" name="TextBox 11">
-            <a:extLst>
-              <a:ext uri="{FF2B5EF4-FFF2-40B4-BE49-F238E27FC236}">
-                <a16:creationId xmlns:a16="http://schemas.microsoft.com/office/drawing/2014/main" id="{757A6924-8C36-A18A-1331-451D37030CB0}"/>
-              </a:ext>
-            </a:extLst>
-          </p:cNvPr>
-          <p:cNvSpPr txBox="1"/>
-          <p:nvPr/>
-        </p:nvSpPr>
-        <p:spPr>
-          <a:xfrm>
-            <a:off x="6876143" y="3262521"/>
-            <a:ext cx="7656284" cy="369332"/>
-          </a:xfrm>
-          <a:prstGeom prst="rect">
-            <a:avLst/>
-          </a:prstGeom>
-        </p:spPr>
-        <p:style>
-          <a:lnRef idx="2">
-            <a:schemeClr val="accent5"/>
-          </a:lnRef>
-          <a:fillRef idx="1">
-            <a:schemeClr val="lt1"/>
-          </a:fillRef>
-          <a:effectRef idx="0">
-            <a:schemeClr val="accent5"/>
-          </a:effectRef>
-          <a:fontRef idx="minor">
-            <a:schemeClr val="dk1"/>
-          </a:fontRef>
-        </p:style>
-        <p:txBody>
-          <a:bodyPr wrap="square">
-            <a:spAutoFit/>
-          </a:bodyPr>
-          <a:lstStyle/>
-          <a:p>
-            <a:r>
-              <a:rPr lang="ko-KR" altLang="en-US" sz="1800" dirty="0"/>
-              <a:t>내부의 소스파일 쪽에 </a:t>
-            </a:r>
-            <a:r>
-              <a:rPr lang="ko-KR" altLang="en-US" sz="1800" dirty="0" err="1"/>
-              <a:t>아무파일이나</a:t>
-            </a:r>
-            <a:r>
-              <a:rPr lang="ko-KR" altLang="en-US" sz="1800" dirty="0"/>
-              <a:t> 연다</a:t>
-            </a:r>
-            <a:r>
-              <a:rPr lang="en-US" altLang="ko-KR" sz="1800" dirty="0"/>
-              <a:t>. </a:t>
-            </a:r>
-            <a:r>
-              <a:rPr lang="ko-KR" altLang="en-US" sz="1800" dirty="0" err="1"/>
-              <a:t>더블클릭해서</a:t>
-            </a:r>
-            <a:endParaRPr lang="en-US" altLang="ko-KR" sz="1800" dirty="0"/>
-          </a:p>
-        </p:txBody>
-      </p:sp>
     </p:spTree>
     <p:extLst>
       <p:ext uri="{BB962C8B-B14F-4D97-AF65-F5344CB8AC3E}">
-        <p14:creationId xmlns:p14="http://schemas.microsoft.com/office/powerpoint/2010/main" val="3852623846"/>
-      </p:ext>
-    </p:extLst>
-  </p:cSld>
-  <p:clrMapOvr>
-    <a:masterClrMapping/>
-  </p:clrMapOvr>
-</p:sld>
-</file>
-
-<file path=ppt/slides/slide28.xml><?xml version="1.0" encoding="utf-8"?>
-<p:sld xmlns:a="http://schemas.openxmlformats.org/drawingml/2006/main" xmlns:r="http://schemas.openxmlformats.org/officeDocument/2006/relationships" xmlns:p="http://schemas.openxmlformats.org/presentationml/2006/main">
-  <p:cSld>
-    <p:spTree>
-      <p:nvGrpSpPr>
-        <p:cNvPr id="1" name=""/>
-        <p:cNvGrpSpPr/>
-        <p:nvPr/>
-      </p:nvGrpSpPr>
-      <p:grpSpPr>
-        <a:xfrm>
-          <a:off x="0" y="0"/>
-          <a:ext cx="0" cy="0"/>
-          <a:chOff x="0" y="0"/>
-          <a:chExt cx="0" cy="0"/>
-        </a:xfrm>
-      </p:grpSpPr>
-      <p:pic>
-        <p:nvPicPr>
-          <p:cNvPr id="3" name="그림 2">
-            <a:extLst>
-              <a:ext uri="{FF2B5EF4-FFF2-40B4-BE49-F238E27FC236}">
-                <a16:creationId xmlns:a16="http://schemas.microsoft.com/office/drawing/2014/main" id="{90DE44D5-B2F6-40CD-3615-DCFF87E0FDDB}"/>
-              </a:ext>
-            </a:extLst>
-          </p:cNvPr>
-          <p:cNvPicPr>
-            <a:picLocks noChangeAspect="1"/>
-          </p:cNvPicPr>
-          <p:nvPr/>
-        </p:nvPicPr>
-        <p:blipFill>
-          <a:blip r:embed="rId2"/>
-          <a:stretch>
-            <a:fillRect/>
-          </a:stretch>
-        </p:blipFill>
-        <p:spPr>
-          <a:xfrm>
-            <a:off x="542150" y="2514885"/>
-            <a:ext cx="5553850" cy="2105319"/>
-          </a:xfrm>
-          <a:prstGeom prst="rect">
-            <a:avLst/>
-          </a:prstGeom>
-        </p:spPr>
-      </p:pic>
-      <p:sp>
-        <p:nvSpPr>
-          <p:cNvPr id="4" name="TextBox 3">
-            <a:extLst>
-              <a:ext uri="{FF2B5EF4-FFF2-40B4-BE49-F238E27FC236}">
-                <a16:creationId xmlns:a16="http://schemas.microsoft.com/office/drawing/2014/main" id="{8A1330B1-B72B-EE7F-25C7-E9304A0DFF10}"/>
-              </a:ext>
-            </a:extLst>
-          </p:cNvPr>
-          <p:cNvSpPr txBox="1"/>
-          <p:nvPr/>
-        </p:nvSpPr>
-        <p:spPr>
-          <a:xfrm>
-            <a:off x="356147" y="189002"/>
-            <a:ext cx="10493050" cy="1631216"/>
-          </a:xfrm>
-          <a:prstGeom prst="rect">
-            <a:avLst/>
-          </a:prstGeom>
-        </p:spPr>
-        <p:style>
-          <a:lnRef idx="2">
-            <a:schemeClr val="accent4"/>
-          </a:lnRef>
-          <a:fillRef idx="1">
-            <a:schemeClr val="lt1"/>
-          </a:fillRef>
-          <a:effectRef idx="0">
-            <a:schemeClr val="accent4"/>
-          </a:effectRef>
-          <a:fontRef idx="minor">
-            <a:schemeClr val="dk1"/>
-          </a:fontRef>
-        </p:style>
-        <p:txBody>
-          <a:bodyPr wrap="square" rtlCol="0">
-            <a:spAutoFit/>
-          </a:bodyPr>
-          <a:lstStyle/>
-          <a:p>
-            <a:r>
-              <a:rPr lang="ko-KR" altLang="en-US" sz="2000" dirty="0"/>
-              <a:t>그 상태에서 빌드로 </a:t>
-            </a:r>
-            <a:r>
-              <a:rPr lang="en-US" altLang="ko-KR" sz="2000" dirty="0"/>
-              <a:t>.exe</a:t>
-            </a:r>
-            <a:r>
-              <a:rPr lang="ko-KR" altLang="en-US" sz="2000" dirty="0"/>
-              <a:t>를 만드는 방법</a:t>
-            </a:r>
-            <a:endParaRPr lang="en-US" altLang="ko-KR" sz="2000" dirty="0"/>
-          </a:p>
-          <a:p>
-            <a:r>
-              <a:rPr lang="en-US" altLang="ko-KR" sz="2000" dirty="0"/>
-              <a:t>F5</a:t>
-            </a:r>
-            <a:r>
-              <a:rPr lang="ko-KR" altLang="en-US" sz="2000" dirty="0"/>
-              <a:t>로 빌드를 실행하는 방법</a:t>
-            </a:r>
-            <a:endParaRPr lang="en-US" altLang="ko-KR" sz="2000" dirty="0"/>
-          </a:p>
-          <a:p>
-            <a:r>
-              <a:rPr lang="ko-KR" altLang="en-US" sz="2000" dirty="0"/>
-              <a:t>직접 프로젝트 목록에서 빌드를 실행하는 방법이 존재합니다</a:t>
-            </a:r>
-            <a:r>
-              <a:rPr lang="en-US" altLang="ko-KR" sz="2000" dirty="0"/>
-              <a:t>.</a:t>
-            </a:r>
-          </a:p>
-          <a:p>
-            <a:r>
-              <a:rPr lang="ko-KR" altLang="en-US" sz="2000" dirty="0"/>
-              <a:t>어떤 방법으로 해도 결과는 같습니다</a:t>
-            </a:r>
-            <a:r>
-              <a:rPr lang="en-US" altLang="ko-KR" sz="2000" dirty="0"/>
-              <a:t>. =&gt; .exe</a:t>
-            </a:r>
-            <a:r>
-              <a:rPr lang="ko-KR" altLang="en-US" sz="2000" dirty="0"/>
-              <a:t>가 나와야 합니다</a:t>
-            </a:r>
-            <a:r>
-              <a:rPr lang="en-US" altLang="ko-KR" sz="2000" dirty="0"/>
-              <a:t>.</a:t>
-            </a:r>
-          </a:p>
-          <a:p>
-            <a:r>
-              <a:rPr lang="ko-KR" altLang="en-US" sz="2000" dirty="0"/>
-              <a:t>나오지 않으면 컴파일 에러가 났다는 겁니다</a:t>
-            </a:r>
-            <a:r>
-              <a:rPr lang="en-US" altLang="ko-KR" sz="2000" dirty="0"/>
-              <a:t>.</a:t>
-            </a:r>
-          </a:p>
-        </p:txBody>
-      </p:sp>
-    </p:spTree>
-    <p:extLst>
-      <p:ext uri="{BB962C8B-B14F-4D97-AF65-F5344CB8AC3E}">
-        <p14:creationId xmlns:p14="http://schemas.microsoft.com/office/powerpoint/2010/main" val="3423413277"/>
-      </p:ext>
-    </p:extLst>
-  </p:cSld>
-  <p:clrMapOvr>
-    <a:masterClrMapping/>
-  </p:clrMapOvr>
-</p:sld>
-</file>
-
-<file path=ppt/slides/slide29.xml><?xml version="1.0" encoding="utf-8"?>
-<p:sld xmlns:a="http://schemas.openxmlformats.org/drawingml/2006/main" xmlns:r="http://schemas.openxmlformats.org/officeDocument/2006/relationships" xmlns:p="http://schemas.openxmlformats.org/presentationml/2006/main">
-  <p:cSld>
-    <p:spTree>
-      <p:nvGrpSpPr>
-        <p:cNvPr id="1" name=""/>
-        <p:cNvGrpSpPr/>
-        <p:nvPr/>
-      </p:nvGrpSpPr>
-      <p:grpSpPr>
-        <a:xfrm>
-          <a:off x="0" y="0"/>
-          <a:ext cx="0" cy="0"/>
-          <a:chOff x="0" y="0"/>
-          <a:chExt cx="0" cy="0"/>
-        </a:xfrm>
-      </p:grpSpPr>
-      <p:pic>
-        <p:nvPicPr>
-          <p:cNvPr id="3" name="그림 2">
-            <a:extLst>
-              <a:ext uri="{FF2B5EF4-FFF2-40B4-BE49-F238E27FC236}">
-                <a16:creationId xmlns:a16="http://schemas.microsoft.com/office/drawing/2014/main" id="{B9BC24C3-CF3F-8BFE-0D1F-2329A78C422D}"/>
-              </a:ext>
-            </a:extLst>
-          </p:cNvPr>
-          <p:cNvPicPr>
-            <a:picLocks noChangeAspect="1"/>
-          </p:cNvPicPr>
-          <p:nvPr/>
-        </p:nvPicPr>
-        <p:blipFill>
-          <a:blip r:embed="rId2"/>
-          <a:stretch>
-            <a:fillRect/>
-          </a:stretch>
-        </p:blipFill>
-        <p:spPr>
-          <a:xfrm>
-            <a:off x="405804" y="2347843"/>
-            <a:ext cx="8535591" cy="3067478"/>
-          </a:xfrm>
-          <a:prstGeom prst="rect">
-            <a:avLst/>
-          </a:prstGeom>
-        </p:spPr>
-      </p:pic>
-      <p:sp>
-        <p:nvSpPr>
-          <p:cNvPr id="6" name="TextBox 5">
-            <a:extLst>
-              <a:ext uri="{FF2B5EF4-FFF2-40B4-BE49-F238E27FC236}">
-                <a16:creationId xmlns:a16="http://schemas.microsoft.com/office/drawing/2014/main" id="{0AF22FF5-A78E-BDCD-3054-BD10E1A26C33}"/>
-              </a:ext>
-            </a:extLst>
-          </p:cNvPr>
-          <p:cNvSpPr txBox="1"/>
-          <p:nvPr/>
-        </p:nvSpPr>
-        <p:spPr>
-          <a:xfrm>
-            <a:off x="405804" y="424530"/>
-            <a:ext cx="10493050" cy="1015663"/>
-          </a:xfrm>
-          <a:prstGeom prst="rect">
-            <a:avLst/>
-          </a:prstGeom>
-        </p:spPr>
-        <p:style>
-          <a:lnRef idx="2">
-            <a:schemeClr val="accent4"/>
-          </a:lnRef>
-          <a:fillRef idx="1">
-            <a:schemeClr val="lt1"/>
-          </a:fillRef>
-          <a:effectRef idx="0">
-            <a:schemeClr val="accent4"/>
-          </a:effectRef>
-          <a:fontRef idx="minor">
-            <a:schemeClr val="dk1"/>
-          </a:fontRef>
-        </p:style>
-        <p:txBody>
-          <a:bodyPr wrap="square" rtlCol="0">
-            <a:spAutoFit/>
-          </a:bodyPr>
-          <a:lstStyle/>
-          <a:p>
-            <a:r>
-              <a:rPr lang="ko-KR" altLang="en-US" sz="2000" dirty="0"/>
-              <a:t>그러면 그 파일은 어디에 나오느냐 </a:t>
-            </a:r>
-            <a:r>
-              <a:rPr lang="ko-KR" altLang="en-US" sz="2000" dirty="0" err="1"/>
-              <a:t>아무설정도</a:t>
-            </a:r>
-            <a:r>
-              <a:rPr lang="ko-KR" altLang="en-US" sz="2000" dirty="0"/>
-              <a:t> 하지 않았다면</a:t>
-            </a:r>
-            <a:endParaRPr lang="en-US" altLang="ko-KR" sz="2000" dirty="0"/>
-          </a:p>
-          <a:p>
-            <a:r>
-              <a:rPr lang="ko-KR" altLang="en-US" sz="2000" dirty="0" err="1"/>
-              <a:t>솔루션폴더</a:t>
-            </a:r>
-            <a:r>
-              <a:rPr lang="en-US" altLang="ko-KR" sz="2000" dirty="0"/>
-              <a:t>\CPP\x64\Debug </a:t>
-            </a:r>
-            <a:r>
-              <a:rPr lang="ko-KR" altLang="en-US" sz="2000" dirty="0"/>
-              <a:t>안에 존재해야 합니다</a:t>
-            </a:r>
-            <a:r>
-              <a:rPr lang="en-US" altLang="ko-KR" sz="2000" dirty="0"/>
-              <a:t>.</a:t>
-            </a:r>
-          </a:p>
-          <a:p>
-            <a:endParaRPr lang="en-US" altLang="ko-KR" sz="2000" dirty="0"/>
-          </a:p>
-        </p:txBody>
-      </p:sp>
-    </p:spTree>
-    <p:extLst>
-      <p:ext uri="{BB962C8B-B14F-4D97-AF65-F5344CB8AC3E}">
-        <p14:creationId xmlns:p14="http://schemas.microsoft.com/office/powerpoint/2010/main" val="3451156725"/>
+        <p14:creationId xmlns:p14="http://schemas.microsoft.com/office/powerpoint/2010/main" val="719917450"/>
       </p:ext>
     </p:extLst>
   </p:cSld>
@@ -8586,1139 +7458,6 @@
 </p:sld>
 </file>
 
-<file path=ppt/slides/slide30.xml><?xml version="1.0" encoding="utf-8"?>
-<p:sld xmlns:a="http://schemas.openxmlformats.org/drawingml/2006/main" xmlns:r="http://schemas.openxmlformats.org/officeDocument/2006/relationships" xmlns:p="http://schemas.openxmlformats.org/presentationml/2006/main">
-  <p:cSld>
-    <p:spTree>
-      <p:nvGrpSpPr>
-        <p:cNvPr id="1" name=""/>
-        <p:cNvGrpSpPr/>
-        <p:nvPr/>
-      </p:nvGrpSpPr>
-      <p:grpSpPr>
-        <a:xfrm>
-          <a:off x="0" y="0"/>
-          <a:ext cx="0" cy="0"/>
-          <a:chOff x="0" y="0"/>
-          <a:chExt cx="0" cy="0"/>
-        </a:xfrm>
-      </p:grpSpPr>
-      <p:pic>
-        <p:nvPicPr>
-          <p:cNvPr id="5" name="그림 4">
-            <a:extLst>
-              <a:ext uri="{FF2B5EF4-FFF2-40B4-BE49-F238E27FC236}">
-                <a16:creationId xmlns:a16="http://schemas.microsoft.com/office/drawing/2014/main" id="{AF2BCE65-E306-627E-DA80-EE6D9A1F7921}"/>
-              </a:ext>
-            </a:extLst>
-          </p:cNvPr>
-          <p:cNvPicPr>
-            <a:picLocks noChangeAspect="1"/>
-          </p:cNvPicPr>
-          <p:nvPr/>
-        </p:nvPicPr>
-        <p:blipFill>
-          <a:blip r:embed="rId2"/>
-          <a:stretch>
-            <a:fillRect/>
-          </a:stretch>
-        </p:blipFill>
-        <p:spPr>
-          <a:xfrm>
-            <a:off x="380128" y="1036279"/>
-            <a:ext cx="6277851" cy="2572109"/>
-          </a:xfrm>
-          <a:prstGeom prst="rect">
-            <a:avLst/>
-          </a:prstGeom>
-        </p:spPr>
-      </p:pic>
-      <p:sp>
-        <p:nvSpPr>
-          <p:cNvPr id="2" name="TextBox 1">
-            <a:extLst>
-              <a:ext uri="{FF2B5EF4-FFF2-40B4-BE49-F238E27FC236}">
-                <a16:creationId xmlns:a16="http://schemas.microsoft.com/office/drawing/2014/main" id="{7603B89F-EDE2-4BD3-39A8-1C50991A0B64}"/>
-              </a:ext>
-            </a:extLst>
-          </p:cNvPr>
-          <p:cNvSpPr txBox="1"/>
-          <p:nvPr/>
-        </p:nvSpPr>
-        <p:spPr>
-          <a:xfrm>
-            <a:off x="405804" y="424530"/>
-            <a:ext cx="10493050" cy="707886"/>
-          </a:xfrm>
-          <a:prstGeom prst="rect">
-            <a:avLst/>
-          </a:prstGeom>
-        </p:spPr>
-        <p:style>
-          <a:lnRef idx="2">
-            <a:schemeClr val="accent4"/>
-          </a:lnRef>
-          <a:fillRef idx="1">
-            <a:schemeClr val="lt1"/>
-          </a:fillRef>
-          <a:effectRef idx="0">
-            <a:schemeClr val="accent4"/>
-          </a:effectRef>
-          <a:fontRef idx="minor">
-            <a:schemeClr val="dk1"/>
-          </a:fontRef>
-        </p:style>
-        <p:txBody>
-          <a:bodyPr wrap="square" rtlCol="0">
-            <a:spAutoFit/>
-          </a:bodyPr>
-          <a:lstStyle/>
-          <a:p>
-            <a:r>
-              <a:rPr lang="ko-KR" altLang="en-US" sz="2000" dirty="0"/>
-              <a:t>만약 무언가 설정을 건드렸다면 </a:t>
-            </a:r>
-            <a:endParaRPr lang="en-US" altLang="ko-KR" sz="2000" dirty="0"/>
-          </a:p>
-          <a:p>
-            <a:r>
-              <a:rPr lang="ko-KR" altLang="en-US" sz="2000" dirty="0" err="1"/>
-              <a:t>솔루션폴더</a:t>
-            </a:r>
-            <a:r>
-              <a:rPr lang="en-US" altLang="ko-KR" sz="2000" dirty="0"/>
-              <a:t>\CPP\x64\Release </a:t>
-            </a:r>
-            <a:r>
-              <a:rPr lang="ko-KR" altLang="en-US" sz="2000" dirty="0"/>
-              <a:t>안에 존재할 수도 있습니다</a:t>
-            </a:r>
-            <a:r>
-              <a:rPr lang="en-US" altLang="ko-KR" sz="2000" dirty="0"/>
-              <a:t>.</a:t>
-            </a:r>
-          </a:p>
-        </p:txBody>
-      </p:sp>
-    </p:spTree>
-    <p:extLst>
-      <p:ext uri="{BB962C8B-B14F-4D97-AF65-F5344CB8AC3E}">
-        <p14:creationId xmlns:p14="http://schemas.microsoft.com/office/powerpoint/2010/main" val="4245811621"/>
-      </p:ext>
-    </p:extLst>
-  </p:cSld>
-  <p:clrMapOvr>
-    <a:masterClrMapping/>
-  </p:clrMapOvr>
-</p:sld>
-</file>
-
-<file path=ppt/slides/slide31.xml><?xml version="1.0" encoding="utf-8"?>
-<p:sld xmlns:a="http://schemas.openxmlformats.org/drawingml/2006/main" xmlns:r="http://schemas.openxmlformats.org/officeDocument/2006/relationships" xmlns:p="http://schemas.openxmlformats.org/presentationml/2006/main">
-  <p:cSld>
-    <p:spTree>
-      <p:nvGrpSpPr>
-        <p:cNvPr id="1" name=""/>
-        <p:cNvGrpSpPr/>
-        <p:nvPr/>
-      </p:nvGrpSpPr>
-      <p:grpSpPr>
-        <a:xfrm>
-          <a:off x="0" y="0"/>
-          <a:ext cx="0" cy="0"/>
-          <a:chOff x="0" y="0"/>
-          <a:chExt cx="0" cy="0"/>
-        </a:xfrm>
-      </p:grpSpPr>
-      <p:pic>
-        <p:nvPicPr>
-          <p:cNvPr id="3" name="그림 2">
-            <a:extLst>
-              <a:ext uri="{FF2B5EF4-FFF2-40B4-BE49-F238E27FC236}">
-                <a16:creationId xmlns:a16="http://schemas.microsoft.com/office/drawing/2014/main" id="{ED9CCAC3-EF2C-AF71-D154-27947EC1A1C4}"/>
-              </a:ext>
-            </a:extLst>
-          </p:cNvPr>
-          <p:cNvPicPr>
-            <a:picLocks noChangeAspect="1"/>
-          </p:cNvPicPr>
-          <p:nvPr/>
-        </p:nvPicPr>
-        <p:blipFill>
-          <a:blip r:embed="rId2"/>
-          <a:stretch>
-            <a:fillRect/>
-          </a:stretch>
-        </p:blipFill>
-        <p:spPr>
-          <a:xfrm>
-            <a:off x="405804" y="1370237"/>
-            <a:ext cx="11307753" cy="2972215"/>
-          </a:xfrm>
-          <a:prstGeom prst="rect">
-            <a:avLst/>
-          </a:prstGeom>
-        </p:spPr>
-      </p:pic>
-      <p:sp>
-        <p:nvSpPr>
-          <p:cNvPr id="4" name="TextBox 3">
-            <a:extLst>
-              <a:ext uri="{FF2B5EF4-FFF2-40B4-BE49-F238E27FC236}">
-                <a16:creationId xmlns:a16="http://schemas.microsoft.com/office/drawing/2014/main" id="{2CEED6D1-14EF-D837-F175-D5CF0FBA4031}"/>
-              </a:ext>
-            </a:extLst>
-          </p:cNvPr>
-          <p:cNvSpPr txBox="1"/>
-          <p:nvPr/>
-        </p:nvSpPr>
-        <p:spPr>
-          <a:xfrm>
-            <a:off x="405804" y="424530"/>
-            <a:ext cx="10493050" cy="400110"/>
-          </a:xfrm>
-          <a:prstGeom prst="rect">
-            <a:avLst/>
-          </a:prstGeom>
-        </p:spPr>
-        <p:style>
-          <a:lnRef idx="2">
-            <a:schemeClr val="accent4"/>
-          </a:lnRef>
-          <a:fillRef idx="1">
-            <a:schemeClr val="lt1"/>
-          </a:fillRef>
-          <a:effectRef idx="0">
-            <a:schemeClr val="accent4"/>
-          </a:effectRef>
-          <a:fontRef idx="minor">
-            <a:schemeClr val="dk1"/>
-          </a:fontRef>
-        </p:style>
-        <p:txBody>
-          <a:bodyPr wrap="square" rtlCol="0">
-            <a:spAutoFit/>
-          </a:bodyPr>
-          <a:lstStyle/>
-          <a:p>
-            <a:r>
-              <a:rPr lang="ko-KR" altLang="en-US" sz="2000" dirty="0"/>
-              <a:t>컴파일 단계를 거쳐서 </a:t>
-            </a:r>
-            <a:r>
-              <a:rPr lang="en-US" altLang="ko-KR" sz="2000" dirty="0"/>
-              <a:t>.EXE</a:t>
-            </a:r>
-            <a:r>
-              <a:rPr lang="ko-KR" altLang="en-US" sz="2000" dirty="0"/>
-              <a:t>가 나오게 된다</a:t>
-            </a:r>
-            <a:r>
-              <a:rPr lang="en-US" altLang="ko-KR" sz="2000" dirty="0"/>
-              <a:t>.</a:t>
-            </a:r>
-          </a:p>
-        </p:txBody>
-      </p:sp>
-    </p:spTree>
-    <p:extLst>
-      <p:ext uri="{BB962C8B-B14F-4D97-AF65-F5344CB8AC3E}">
-        <p14:creationId xmlns:p14="http://schemas.microsoft.com/office/powerpoint/2010/main" val="1736753332"/>
-      </p:ext>
-    </p:extLst>
-  </p:cSld>
-  <p:clrMapOvr>
-    <a:masterClrMapping/>
-  </p:clrMapOvr>
-</p:sld>
-</file>
-
-<file path=ppt/slides/slide32.xml><?xml version="1.0" encoding="utf-8"?>
-<p:sld xmlns:a="http://schemas.openxmlformats.org/drawingml/2006/main" xmlns:r="http://schemas.openxmlformats.org/officeDocument/2006/relationships" xmlns:p="http://schemas.openxmlformats.org/presentationml/2006/main">
-  <p:cSld>
-    <p:spTree>
-      <p:nvGrpSpPr>
-        <p:cNvPr id="1" name=""/>
-        <p:cNvGrpSpPr/>
-        <p:nvPr/>
-      </p:nvGrpSpPr>
-      <p:grpSpPr>
-        <a:xfrm>
-          <a:off x="0" y="0"/>
-          <a:ext cx="0" cy="0"/>
-          <a:chOff x="0" y="0"/>
-          <a:chExt cx="0" cy="0"/>
-        </a:xfrm>
-      </p:grpSpPr>
-      <p:pic>
-        <p:nvPicPr>
-          <p:cNvPr id="3" name="그림 2">
-            <a:extLst>
-              <a:ext uri="{FF2B5EF4-FFF2-40B4-BE49-F238E27FC236}">
-                <a16:creationId xmlns:a16="http://schemas.microsoft.com/office/drawing/2014/main" id="{E646B5CC-72BF-A10A-222A-1388B037546B}"/>
-              </a:ext>
-            </a:extLst>
-          </p:cNvPr>
-          <p:cNvPicPr>
-            <a:picLocks noChangeAspect="1"/>
-          </p:cNvPicPr>
-          <p:nvPr/>
-        </p:nvPicPr>
-        <p:blipFill>
-          <a:blip r:embed="rId2"/>
-          <a:stretch>
-            <a:fillRect/>
-          </a:stretch>
-        </p:blipFill>
-        <p:spPr>
-          <a:xfrm>
-            <a:off x="224510" y="616126"/>
-            <a:ext cx="11041016" cy="3667637"/>
-          </a:xfrm>
-          <a:prstGeom prst="rect">
-            <a:avLst/>
-          </a:prstGeom>
-        </p:spPr>
-      </p:pic>
-    </p:spTree>
-    <p:extLst>
-      <p:ext uri="{BB962C8B-B14F-4D97-AF65-F5344CB8AC3E}">
-        <p14:creationId xmlns:p14="http://schemas.microsoft.com/office/powerpoint/2010/main" val="1995343704"/>
-      </p:ext>
-    </p:extLst>
-  </p:cSld>
-  <p:clrMapOvr>
-    <a:masterClrMapping/>
-  </p:clrMapOvr>
-</p:sld>
-</file>
-
-<file path=ppt/slides/slide33.xml><?xml version="1.0" encoding="utf-8"?>
-<p:sld xmlns:a="http://schemas.openxmlformats.org/drawingml/2006/main" xmlns:r="http://schemas.openxmlformats.org/officeDocument/2006/relationships" xmlns:p="http://schemas.openxmlformats.org/presentationml/2006/main">
-  <p:cSld>
-    <p:spTree>
-      <p:nvGrpSpPr>
-        <p:cNvPr id="1" name=""/>
-        <p:cNvGrpSpPr/>
-        <p:nvPr/>
-      </p:nvGrpSpPr>
-      <p:grpSpPr>
-        <a:xfrm>
-          <a:off x="0" y="0"/>
-          <a:ext cx="0" cy="0"/>
-          <a:chOff x="0" y="0"/>
-          <a:chExt cx="0" cy="0"/>
-        </a:xfrm>
-      </p:grpSpPr>
-      <p:pic>
-        <p:nvPicPr>
-          <p:cNvPr id="3" name="그림 2">
-            <a:extLst>
-              <a:ext uri="{FF2B5EF4-FFF2-40B4-BE49-F238E27FC236}">
-                <a16:creationId xmlns:a16="http://schemas.microsoft.com/office/drawing/2014/main" id="{FA65412B-E6E6-624B-4FE1-2BA16F81C4CF}"/>
-              </a:ext>
-            </a:extLst>
-          </p:cNvPr>
-          <p:cNvPicPr>
-            <a:picLocks noChangeAspect="1"/>
-          </p:cNvPicPr>
-          <p:nvPr/>
-        </p:nvPicPr>
-        <p:blipFill>
-          <a:blip r:embed="rId2"/>
-          <a:stretch>
-            <a:fillRect/>
-          </a:stretch>
-        </p:blipFill>
-        <p:spPr>
-          <a:xfrm>
-            <a:off x="405804" y="4015190"/>
-            <a:ext cx="5906324" cy="2695951"/>
-          </a:xfrm>
-          <a:prstGeom prst="rect">
-            <a:avLst/>
-          </a:prstGeom>
-        </p:spPr>
-      </p:pic>
-      <p:sp>
-        <p:nvSpPr>
-          <p:cNvPr id="4" name="TextBox 3">
-            <a:extLst>
-              <a:ext uri="{FF2B5EF4-FFF2-40B4-BE49-F238E27FC236}">
-                <a16:creationId xmlns:a16="http://schemas.microsoft.com/office/drawing/2014/main" id="{B420DA01-0DDB-1933-4430-2377548580DA}"/>
-              </a:ext>
-            </a:extLst>
-          </p:cNvPr>
-          <p:cNvSpPr txBox="1"/>
-          <p:nvPr/>
-        </p:nvSpPr>
-        <p:spPr>
-          <a:xfrm>
-            <a:off x="405804" y="424530"/>
-            <a:ext cx="10493050" cy="1015663"/>
-          </a:xfrm>
-          <a:prstGeom prst="rect">
-            <a:avLst/>
-          </a:prstGeom>
-        </p:spPr>
-        <p:style>
-          <a:lnRef idx="2">
-            <a:schemeClr val="accent4"/>
-          </a:lnRef>
-          <a:fillRef idx="1">
-            <a:schemeClr val="lt1"/>
-          </a:fillRef>
-          <a:effectRef idx="0">
-            <a:schemeClr val="accent4"/>
-          </a:effectRef>
-          <a:fontRef idx="minor">
-            <a:schemeClr val="dk1"/>
-          </a:fontRef>
-        </p:style>
-        <p:txBody>
-          <a:bodyPr wrap="square" rtlCol="0">
-            <a:spAutoFit/>
-          </a:bodyPr>
-          <a:lstStyle/>
-          <a:p>
-            <a:r>
-              <a:rPr lang="ko-KR" altLang="en-US" sz="2000" dirty="0"/>
-              <a:t>문법적으로 </a:t>
-            </a:r>
-            <a:r>
-              <a:rPr lang="en-US" altLang="ko-KR" sz="2000" dirty="0"/>
-              <a:t>#</a:t>
-            </a:r>
-            <a:r>
-              <a:rPr lang="ko-KR" altLang="en-US" sz="2000" dirty="0"/>
-              <a:t>이 붙어있으면 다 </a:t>
-            </a:r>
-            <a:r>
-              <a:rPr lang="ko-KR" altLang="en-US" sz="2000" dirty="0" err="1"/>
-              <a:t>전처리</a:t>
-            </a:r>
-            <a:r>
-              <a:rPr lang="ko-KR" altLang="en-US" sz="2000" dirty="0"/>
-              <a:t> 문이다</a:t>
-            </a:r>
-            <a:r>
-              <a:rPr lang="en-US" altLang="ko-KR" sz="2000" dirty="0"/>
-              <a:t>.</a:t>
-            </a:r>
-          </a:p>
-          <a:p>
-            <a:r>
-              <a:rPr lang="ko-KR" altLang="en-US" sz="2000" dirty="0" err="1"/>
-              <a:t>전처리</a:t>
-            </a:r>
-            <a:r>
-              <a:rPr lang="ko-KR" altLang="en-US" sz="2000" dirty="0"/>
-              <a:t> 문은 변화하는 문장이다 눈에 </a:t>
-            </a:r>
-            <a:r>
-              <a:rPr lang="en-US" altLang="ko-KR" sz="2000" dirty="0"/>
-              <a:t>#include</a:t>
-            </a:r>
-            <a:r>
-              <a:rPr lang="ko-KR" altLang="en-US" sz="2000" dirty="0"/>
-              <a:t> </a:t>
-            </a:r>
-            <a:r>
-              <a:rPr lang="en-US" altLang="ko-KR" sz="2000" dirty="0"/>
-              <a:t>&lt;</a:t>
-            </a:r>
-            <a:r>
-              <a:rPr lang="ko-KR" altLang="en-US" sz="2000" dirty="0"/>
-              <a:t>파일명</a:t>
-            </a:r>
-            <a:r>
-              <a:rPr lang="en-US" altLang="ko-KR" sz="2000" dirty="0"/>
-              <a:t>&gt;</a:t>
-            </a:r>
-          </a:p>
-          <a:p>
-            <a:r>
-              <a:rPr lang="ko-KR" altLang="en-US" sz="2000" dirty="0"/>
-              <a:t>나중에 다 교체되고 변하는 문장들이다</a:t>
-            </a:r>
-            <a:r>
-              <a:rPr lang="en-US" altLang="ko-KR" sz="2000" dirty="0"/>
-              <a:t>.</a:t>
-            </a:r>
-          </a:p>
-        </p:txBody>
-      </p:sp>
-      <p:sp>
-        <p:nvSpPr>
-          <p:cNvPr id="5" name="TextBox 4">
-            <a:extLst>
-              <a:ext uri="{FF2B5EF4-FFF2-40B4-BE49-F238E27FC236}">
-                <a16:creationId xmlns:a16="http://schemas.microsoft.com/office/drawing/2014/main" id="{4FC25A63-018F-0394-FE25-5F86B5FB53A1}"/>
-              </a:ext>
-            </a:extLst>
-          </p:cNvPr>
-          <p:cNvSpPr txBox="1"/>
-          <p:nvPr/>
-        </p:nvSpPr>
-        <p:spPr>
-          <a:xfrm>
-            <a:off x="405804" y="1768421"/>
-            <a:ext cx="10493050" cy="2246769"/>
-          </a:xfrm>
-          <a:prstGeom prst="rect">
-            <a:avLst/>
-          </a:prstGeom>
-        </p:spPr>
-        <p:style>
-          <a:lnRef idx="2">
-            <a:schemeClr val="accent4"/>
-          </a:lnRef>
-          <a:fillRef idx="1">
-            <a:schemeClr val="lt1"/>
-          </a:fillRef>
-          <a:effectRef idx="0">
-            <a:schemeClr val="accent4"/>
-          </a:effectRef>
-          <a:fontRef idx="minor">
-            <a:schemeClr val="dk1"/>
-          </a:fontRef>
-        </p:style>
-        <p:txBody>
-          <a:bodyPr wrap="square" rtlCol="0">
-            <a:spAutoFit/>
-          </a:bodyPr>
-          <a:lstStyle/>
-          <a:p>
-            <a:r>
-              <a:rPr lang="ko-KR" altLang="en-US" sz="2000" dirty="0"/>
-              <a:t>파일 코드 복사</a:t>
-            </a:r>
-            <a:endParaRPr lang="en-US" altLang="ko-KR" sz="2000" dirty="0"/>
-          </a:p>
-          <a:p>
-            <a:r>
-              <a:rPr lang="ko-KR" altLang="en-US" sz="2000" dirty="0"/>
-              <a:t>여러분들이 진짜 말단 기능을 만들어야 하는 기능은 이제 없어졌습니다</a:t>
-            </a:r>
-            <a:r>
-              <a:rPr lang="en-US" altLang="ko-KR" sz="2000" dirty="0"/>
-              <a:t>.</a:t>
-            </a:r>
-          </a:p>
-          <a:p>
-            <a:r>
-              <a:rPr lang="ko-KR" altLang="en-US" sz="2000" dirty="0"/>
-              <a:t>현대 프로그래밍은 과거의 프로그래머들의 코드를 가져다 사용하는 식으로 </a:t>
-            </a:r>
-            <a:endParaRPr lang="en-US" altLang="ko-KR" sz="2000" dirty="0"/>
-          </a:p>
-          <a:p>
-            <a:r>
-              <a:rPr lang="ko-KR" altLang="en-US" sz="2000" dirty="0"/>
-              <a:t>바뀌었습니다</a:t>
-            </a:r>
-            <a:r>
-              <a:rPr lang="en-US" altLang="ko-KR" sz="2000" dirty="0"/>
-              <a:t>. </a:t>
-            </a:r>
-            <a:r>
-              <a:rPr lang="ko-KR" altLang="en-US" sz="2000" dirty="0"/>
-              <a:t>여러분들은 수없이 많은 선현 프로그래머의 은혜를 빌려서 사용해서</a:t>
-            </a:r>
-            <a:endParaRPr lang="en-US" altLang="ko-KR" sz="2000" dirty="0"/>
-          </a:p>
-          <a:p>
-            <a:r>
-              <a:rPr lang="ko-KR" altLang="en-US" sz="2000" dirty="0"/>
-              <a:t>코드를 치는데 </a:t>
-            </a:r>
-            <a:r>
-              <a:rPr lang="ko-KR" altLang="en-US" sz="2000" dirty="0" err="1"/>
-              <a:t>자꾸나한테</a:t>
-            </a:r>
-            <a:r>
-              <a:rPr lang="ko-KR" altLang="en-US" sz="2000" dirty="0"/>
-              <a:t> 스스로의 힘 내가 만든 코드</a:t>
-            </a:r>
-            <a:r>
-              <a:rPr lang="en-US" altLang="ko-KR" sz="2000" dirty="0"/>
-              <a:t>.</a:t>
-            </a:r>
-          </a:p>
-          <a:p>
-            <a:r>
-              <a:rPr lang="ko-KR" altLang="en-US" sz="2000" dirty="0"/>
-              <a:t>이제 글자를 출력하는 </a:t>
-            </a:r>
-            <a:r>
-              <a:rPr lang="en-US" altLang="ko-KR" sz="2000" dirty="0"/>
-              <a:t>std::</a:t>
-            </a:r>
-            <a:r>
-              <a:rPr lang="en-US" altLang="ko-KR" sz="2000" dirty="0" err="1"/>
-              <a:t>cout</a:t>
-            </a:r>
-            <a:r>
-              <a:rPr lang="ko-KR" altLang="en-US" sz="2000" dirty="0"/>
-              <a:t>이나 </a:t>
-            </a:r>
-            <a:r>
-              <a:rPr lang="en-US" altLang="ko-KR" sz="2000" dirty="0" err="1"/>
-              <a:t>printf</a:t>
-            </a:r>
-            <a:r>
-              <a:rPr lang="ko-KR" altLang="en-US" sz="2000" dirty="0"/>
-              <a:t>같은 이미 만들어진 함수를 </a:t>
-            </a:r>
-            <a:r>
-              <a:rPr lang="ko-KR" altLang="en-US" sz="2000" dirty="0" err="1"/>
-              <a:t>사용하는게</a:t>
-            </a:r>
-            <a:r>
-              <a:rPr lang="ko-KR" altLang="en-US" sz="2000" dirty="0"/>
-              <a:t> 정석이 됐다</a:t>
-            </a:r>
-            <a:r>
-              <a:rPr lang="en-US" altLang="ko-KR" sz="2000" dirty="0"/>
-              <a:t>. </a:t>
-            </a:r>
-          </a:p>
-        </p:txBody>
-      </p:sp>
-    </p:spTree>
-    <p:extLst>
-      <p:ext uri="{BB962C8B-B14F-4D97-AF65-F5344CB8AC3E}">
-        <p14:creationId xmlns:p14="http://schemas.microsoft.com/office/powerpoint/2010/main" val="1874661271"/>
-      </p:ext>
-    </p:extLst>
-  </p:cSld>
-  <p:clrMapOvr>
-    <a:masterClrMapping/>
-  </p:clrMapOvr>
-</p:sld>
-</file>
-
-<file path=ppt/slides/slide34.xml><?xml version="1.0" encoding="utf-8"?>
-<p:sld xmlns:a="http://schemas.openxmlformats.org/drawingml/2006/main" xmlns:r="http://schemas.openxmlformats.org/officeDocument/2006/relationships" xmlns:p="http://schemas.openxmlformats.org/presentationml/2006/main">
-  <p:cSld>
-    <p:spTree>
-      <p:nvGrpSpPr>
-        <p:cNvPr id="1" name=""/>
-        <p:cNvGrpSpPr/>
-        <p:nvPr/>
-      </p:nvGrpSpPr>
-      <p:grpSpPr>
-        <a:xfrm>
-          <a:off x="0" y="0"/>
-          <a:ext cx="0" cy="0"/>
-          <a:chOff x="0" y="0"/>
-          <a:chExt cx="0" cy="0"/>
-        </a:xfrm>
-      </p:grpSpPr>
-      <p:sp>
-        <p:nvSpPr>
-          <p:cNvPr id="2" name="TextBox 1">
-            <a:extLst>
-              <a:ext uri="{FF2B5EF4-FFF2-40B4-BE49-F238E27FC236}">
-                <a16:creationId xmlns:a16="http://schemas.microsoft.com/office/drawing/2014/main" id="{3F5BA109-01DF-EFF2-7448-4027C39DF769}"/>
-              </a:ext>
-            </a:extLst>
-          </p:cNvPr>
-          <p:cNvSpPr txBox="1"/>
-          <p:nvPr/>
-        </p:nvSpPr>
-        <p:spPr>
-          <a:xfrm>
-            <a:off x="350386" y="373730"/>
-            <a:ext cx="10493050" cy="1015663"/>
-          </a:xfrm>
-          <a:prstGeom prst="rect">
-            <a:avLst/>
-          </a:prstGeom>
-        </p:spPr>
-        <p:style>
-          <a:lnRef idx="2">
-            <a:schemeClr val="accent4"/>
-          </a:lnRef>
-          <a:fillRef idx="1">
-            <a:schemeClr val="lt1"/>
-          </a:fillRef>
-          <a:effectRef idx="0">
-            <a:schemeClr val="accent4"/>
-          </a:effectRef>
-          <a:fontRef idx="minor">
-            <a:schemeClr val="dk1"/>
-          </a:fontRef>
-        </p:style>
-        <p:txBody>
-          <a:bodyPr wrap="square" rtlCol="0">
-            <a:spAutoFit/>
-          </a:bodyPr>
-          <a:lstStyle/>
-          <a:p>
-            <a:r>
-              <a:rPr lang="en-US" altLang="ko-KR" sz="2000" dirty="0"/>
-              <a:t>Iostream</a:t>
-            </a:r>
-            <a:r>
-              <a:rPr lang="ko-KR" altLang="en-US" sz="2000" dirty="0"/>
-              <a:t>안에 코드가 들어있는데</a:t>
-            </a:r>
-            <a:endParaRPr lang="en-US" altLang="ko-KR" sz="2000" dirty="0"/>
-          </a:p>
-          <a:p>
-            <a:r>
-              <a:rPr lang="ko-KR" altLang="en-US" sz="2000" dirty="0"/>
-              <a:t>거기에는 이미 글자를 출력하기 위한 </a:t>
-            </a:r>
-            <a:r>
-              <a:rPr lang="en-US" altLang="ko-KR" sz="2000" dirty="0"/>
-              <a:t>std::</a:t>
-            </a:r>
-            <a:r>
-              <a:rPr lang="en-US" altLang="ko-KR" sz="2000" dirty="0" err="1"/>
-              <a:t>cout</a:t>
-            </a:r>
-            <a:r>
-              <a:rPr lang="ko-KR" altLang="en-US" sz="2000" dirty="0"/>
-              <a:t>의 내용이나 규칙이 이미 다 들어있다</a:t>
-            </a:r>
-            <a:r>
-              <a:rPr lang="en-US" altLang="ko-KR" sz="2000" dirty="0"/>
-              <a:t>.</a:t>
-            </a:r>
-          </a:p>
-          <a:p>
-            <a:r>
-              <a:rPr lang="ko-KR" altLang="en-US" sz="2000" dirty="0"/>
-              <a:t>다</a:t>
-            </a:r>
-            <a:r>
-              <a:rPr lang="en-US" altLang="ko-KR" sz="2000" dirty="0"/>
-              <a:t> </a:t>
-            </a:r>
-            <a:r>
-              <a:rPr lang="ko-KR" altLang="en-US" sz="2000" dirty="0"/>
-              <a:t>복사하고 </a:t>
-            </a:r>
-            <a:r>
-              <a:rPr lang="en-US" altLang="ko-KR" sz="2000" dirty="0"/>
-              <a:t>F5</a:t>
-            </a:r>
-            <a:r>
-              <a:rPr lang="ko-KR" altLang="en-US" sz="2000" dirty="0"/>
-              <a:t>를 눌렀는데 아주 잘됐다</a:t>
-            </a:r>
-            <a:r>
-              <a:rPr lang="en-US" altLang="ko-KR" sz="2000" dirty="0"/>
-              <a:t>.</a:t>
-            </a:r>
-          </a:p>
-        </p:txBody>
-      </p:sp>
-      <p:pic>
-        <p:nvPicPr>
-          <p:cNvPr id="4" name="그림 3">
-            <a:extLst>
-              <a:ext uri="{FF2B5EF4-FFF2-40B4-BE49-F238E27FC236}">
-                <a16:creationId xmlns:a16="http://schemas.microsoft.com/office/drawing/2014/main" id="{91E3E445-6C42-ED3B-F2F1-9FB8C10BECA6}"/>
-              </a:ext>
-            </a:extLst>
-          </p:cNvPr>
-          <p:cNvPicPr>
-            <a:picLocks noChangeAspect="1"/>
-          </p:cNvPicPr>
-          <p:nvPr/>
-        </p:nvPicPr>
-        <p:blipFill>
-          <a:blip r:embed="rId2"/>
-          <a:stretch>
-            <a:fillRect/>
-          </a:stretch>
-        </p:blipFill>
-        <p:spPr>
-          <a:xfrm>
-            <a:off x="350386" y="1855043"/>
-            <a:ext cx="8164064" cy="4686954"/>
-          </a:xfrm>
-          <a:prstGeom prst="rect">
-            <a:avLst/>
-          </a:prstGeom>
-        </p:spPr>
-      </p:pic>
-    </p:spTree>
-    <p:extLst>
-      <p:ext uri="{BB962C8B-B14F-4D97-AF65-F5344CB8AC3E}">
-        <p14:creationId xmlns:p14="http://schemas.microsoft.com/office/powerpoint/2010/main" val="899582980"/>
-      </p:ext>
-    </p:extLst>
-  </p:cSld>
-  <p:clrMapOvr>
-    <a:masterClrMapping/>
-  </p:clrMapOvr>
-</p:sld>
-</file>
-
-<file path=ppt/slides/slide35.xml><?xml version="1.0" encoding="utf-8"?>
-<p:sld xmlns:a="http://schemas.openxmlformats.org/drawingml/2006/main" xmlns:r="http://schemas.openxmlformats.org/officeDocument/2006/relationships" xmlns:p="http://schemas.openxmlformats.org/presentationml/2006/main">
-  <p:cSld>
-    <p:spTree>
-      <p:nvGrpSpPr>
-        <p:cNvPr id="1" name=""/>
-        <p:cNvGrpSpPr/>
-        <p:nvPr/>
-      </p:nvGrpSpPr>
-      <p:grpSpPr>
-        <a:xfrm>
-          <a:off x="0" y="0"/>
-          <a:ext cx="0" cy="0"/>
-          <a:chOff x="0" y="0"/>
-          <a:chExt cx="0" cy="0"/>
-        </a:xfrm>
-      </p:grpSpPr>
-      <p:sp>
-        <p:nvSpPr>
-          <p:cNvPr id="2" name="TextBox 1">
-            <a:extLst>
-              <a:ext uri="{FF2B5EF4-FFF2-40B4-BE49-F238E27FC236}">
-                <a16:creationId xmlns:a16="http://schemas.microsoft.com/office/drawing/2014/main" id="{C492D8A2-25A9-320B-6743-873486E1B392}"/>
-              </a:ext>
-            </a:extLst>
-          </p:cNvPr>
-          <p:cNvSpPr txBox="1"/>
-          <p:nvPr/>
-        </p:nvSpPr>
-        <p:spPr>
-          <a:xfrm>
-            <a:off x="350386" y="373730"/>
-            <a:ext cx="10493050" cy="2862322"/>
-          </a:xfrm>
-          <a:prstGeom prst="rect">
-            <a:avLst/>
-          </a:prstGeom>
-        </p:spPr>
-        <p:style>
-          <a:lnRef idx="2">
-            <a:schemeClr val="accent4"/>
-          </a:lnRef>
-          <a:fillRef idx="1">
-            <a:schemeClr val="lt1"/>
-          </a:fillRef>
-          <a:effectRef idx="0">
-            <a:schemeClr val="accent4"/>
-          </a:effectRef>
-          <a:fontRef idx="minor">
-            <a:schemeClr val="dk1"/>
-          </a:fontRef>
-        </p:style>
-        <p:txBody>
-          <a:bodyPr wrap="square" rtlCol="0">
-            <a:spAutoFit/>
-          </a:bodyPr>
-          <a:lstStyle/>
-          <a:p>
-            <a:r>
-              <a:rPr lang="ko-KR" altLang="en-US" sz="2000" dirty="0"/>
-              <a:t>독해 제</a:t>
-            </a:r>
-            <a:r>
-              <a:rPr lang="en-US" altLang="ko-KR" sz="2000" dirty="0"/>
-              <a:t>1</a:t>
-            </a:r>
-            <a:r>
-              <a:rPr lang="ko-KR" altLang="en-US" sz="2000" dirty="0"/>
-              <a:t>원칙</a:t>
-            </a:r>
-            <a:endParaRPr lang="en-US" altLang="ko-KR" sz="2000" dirty="0"/>
-          </a:p>
-          <a:p>
-            <a:r>
-              <a:rPr lang="ko-KR" altLang="en-US" sz="2000" dirty="0"/>
-              <a:t>코드는 위에서 아래로 읽습니다</a:t>
-            </a:r>
-            <a:r>
-              <a:rPr lang="en-US" altLang="ko-KR" sz="2000" dirty="0"/>
-              <a:t>.</a:t>
-            </a:r>
-          </a:p>
-          <a:p>
-            <a:r>
-              <a:rPr lang="en-US" altLang="ko-KR" sz="2000" dirty="0"/>
-              <a:t>#include &lt;iostream&gt; </a:t>
-            </a:r>
-            <a:r>
-              <a:rPr lang="ko-KR" altLang="en-US" sz="2000" dirty="0"/>
-              <a:t>내부에 </a:t>
-            </a:r>
-            <a:r>
-              <a:rPr lang="en-US" altLang="ko-KR" sz="2000" dirty="0"/>
-              <a:t>std::</a:t>
-            </a:r>
-            <a:r>
-              <a:rPr lang="en-US" altLang="ko-KR" sz="2000" dirty="0" err="1"/>
-              <a:t>cout</a:t>
-            </a:r>
-            <a:r>
-              <a:rPr lang="ko-KR" altLang="en-US" sz="2000" dirty="0"/>
-              <a:t>의 내용이 들어있다</a:t>
-            </a:r>
-            <a:r>
-              <a:rPr lang="en-US" altLang="ko-KR" sz="2000" dirty="0"/>
-              <a:t>.</a:t>
-            </a:r>
-          </a:p>
-          <a:p>
-            <a:r>
-              <a:rPr lang="ko-KR" altLang="en-US" sz="2000" dirty="0"/>
-              <a:t>모든 코드의 내용은 선언되고 나서 그 아래에 영향을 미칩니다</a:t>
-            </a:r>
-            <a:r>
-              <a:rPr lang="en-US" altLang="ko-KR" sz="2000" dirty="0"/>
-              <a:t>.</a:t>
-            </a:r>
-          </a:p>
-          <a:p>
-            <a:endParaRPr lang="en-US" altLang="ko-KR" sz="2000" dirty="0"/>
-          </a:p>
-          <a:p>
-            <a:r>
-              <a:rPr lang="en-US" altLang="ko-KR" sz="2000" dirty="0"/>
-              <a:t>Iostream</a:t>
-            </a:r>
-            <a:r>
-              <a:rPr lang="ko-KR" altLang="en-US" sz="2000" dirty="0"/>
-              <a:t>안에 </a:t>
-            </a:r>
-            <a:r>
-              <a:rPr lang="en-US" altLang="ko-KR" sz="2000" dirty="0"/>
-              <a:t>std::</a:t>
-            </a:r>
-            <a:r>
-              <a:rPr lang="en-US" altLang="ko-KR" sz="2000" dirty="0" err="1"/>
-              <a:t>cout</a:t>
-            </a:r>
-            <a:r>
-              <a:rPr lang="ko-KR" altLang="en-US" sz="2000" dirty="0"/>
-              <a:t>의 내용이 있다고 하면 사용할 수 있는 것은</a:t>
-            </a:r>
-            <a:endParaRPr lang="en-US" altLang="ko-KR" sz="2000" dirty="0"/>
-          </a:p>
-          <a:p>
-            <a:r>
-              <a:rPr lang="en-US" altLang="ko-KR" sz="2000" dirty="0"/>
-              <a:t>Iostream </a:t>
-            </a:r>
-            <a:r>
-              <a:rPr lang="ko-KR" altLang="en-US" sz="2000" dirty="0"/>
-              <a:t>아래에서부터 </a:t>
-            </a:r>
-            <a:r>
-              <a:rPr lang="ko-KR" altLang="en-US" sz="2000" dirty="0" err="1"/>
-              <a:t>사용할수</a:t>
-            </a:r>
-            <a:r>
-              <a:rPr lang="ko-KR" altLang="en-US" sz="2000" dirty="0"/>
-              <a:t> 있는 것이다</a:t>
-            </a:r>
-            <a:r>
-              <a:rPr lang="en-US" altLang="ko-KR" sz="2000" dirty="0"/>
-              <a:t>.</a:t>
-            </a:r>
-          </a:p>
-          <a:p>
-            <a:r>
-              <a:rPr lang="en-US" altLang="ko-KR" sz="2000" dirty="0"/>
-              <a:t>#include</a:t>
-            </a:r>
-            <a:r>
-              <a:rPr lang="ko-KR" altLang="en-US" sz="2000" dirty="0"/>
-              <a:t>에 대해서 오해하면 </a:t>
-            </a:r>
-            <a:r>
-              <a:rPr lang="ko-KR" altLang="en-US" sz="2000" dirty="0" err="1"/>
-              <a:t>안되는게</a:t>
-            </a:r>
-            <a:r>
-              <a:rPr lang="ko-KR" altLang="en-US" sz="2000" dirty="0"/>
-              <a:t> 무조건 상단에 있을 필요는 없지만</a:t>
-            </a:r>
-            <a:endParaRPr lang="en-US" altLang="ko-KR" sz="2000" dirty="0"/>
-          </a:p>
-          <a:p>
-            <a:r>
-              <a:rPr lang="ko-KR" altLang="en-US" sz="2000" dirty="0"/>
-              <a:t>보통 코드 내용을 아래에서 사용하고 싶기 때문에 보통 위에 두게 되는 편입니다</a:t>
-            </a:r>
-            <a:r>
-              <a:rPr lang="en-US" altLang="ko-KR" sz="2000" dirty="0"/>
-              <a:t>.</a:t>
-            </a:r>
-          </a:p>
-        </p:txBody>
-      </p:sp>
-      <p:pic>
-        <p:nvPicPr>
-          <p:cNvPr id="4" name="그림 3">
-            <a:extLst>
-              <a:ext uri="{FF2B5EF4-FFF2-40B4-BE49-F238E27FC236}">
-                <a16:creationId xmlns:a16="http://schemas.microsoft.com/office/drawing/2014/main" id="{88C507AA-7121-A050-5711-7D8021CC42BE}"/>
-              </a:ext>
-            </a:extLst>
-          </p:cNvPr>
-          <p:cNvPicPr>
-            <a:picLocks noChangeAspect="1"/>
-          </p:cNvPicPr>
-          <p:nvPr/>
-        </p:nvPicPr>
-        <p:blipFill>
-          <a:blip r:embed="rId2"/>
-          <a:stretch>
-            <a:fillRect/>
-          </a:stretch>
-        </p:blipFill>
-        <p:spPr>
-          <a:xfrm>
-            <a:off x="350386" y="3501766"/>
-            <a:ext cx="5334744" cy="1857634"/>
-          </a:xfrm>
-          <a:prstGeom prst="rect">
-            <a:avLst/>
-          </a:prstGeom>
-        </p:spPr>
-      </p:pic>
-    </p:spTree>
-    <p:extLst>
-      <p:ext uri="{BB962C8B-B14F-4D97-AF65-F5344CB8AC3E}">
-        <p14:creationId xmlns:p14="http://schemas.microsoft.com/office/powerpoint/2010/main" val="3711819154"/>
-      </p:ext>
-    </p:extLst>
-  </p:cSld>
-  <p:clrMapOvr>
-    <a:masterClrMapping/>
-  </p:clrMapOvr>
-</p:sld>
-</file>
-
-<file path=ppt/slides/slide36.xml><?xml version="1.0" encoding="utf-8"?>
-<p:sld xmlns:a="http://schemas.openxmlformats.org/drawingml/2006/main" xmlns:r="http://schemas.openxmlformats.org/officeDocument/2006/relationships" xmlns:p="http://schemas.openxmlformats.org/presentationml/2006/main">
-  <p:cSld>
-    <p:spTree>
-      <p:nvGrpSpPr>
-        <p:cNvPr id="1" name=""/>
-        <p:cNvGrpSpPr/>
-        <p:nvPr/>
-      </p:nvGrpSpPr>
-      <p:grpSpPr>
-        <a:xfrm>
-          <a:off x="0" y="0"/>
-          <a:ext cx="0" cy="0"/>
-          <a:chOff x="0" y="0"/>
-          <a:chExt cx="0" cy="0"/>
-        </a:xfrm>
-      </p:grpSpPr>
-    </p:spTree>
-    <p:extLst>
-      <p:ext uri="{BB962C8B-B14F-4D97-AF65-F5344CB8AC3E}">
-        <p14:creationId xmlns:p14="http://schemas.microsoft.com/office/powerpoint/2010/main" val="1784649206"/>
-      </p:ext>
-    </p:extLst>
-  </p:cSld>
-  <p:clrMapOvr>
-    <a:masterClrMapping/>
-  </p:clrMapOvr>
-</p:sld>
-</file>
-
-<file path=ppt/slides/slide37.xml><?xml version="1.0" encoding="utf-8"?>
-<p:sld xmlns:a="http://schemas.openxmlformats.org/drawingml/2006/main" xmlns:r="http://schemas.openxmlformats.org/officeDocument/2006/relationships" xmlns:p="http://schemas.openxmlformats.org/presentationml/2006/main">
-  <p:cSld>
-    <p:spTree>
-      <p:nvGrpSpPr>
-        <p:cNvPr id="1" name=""/>
-        <p:cNvGrpSpPr/>
-        <p:nvPr/>
-      </p:nvGrpSpPr>
-      <p:grpSpPr>
-        <a:xfrm>
-          <a:off x="0" y="0"/>
-          <a:ext cx="0" cy="0"/>
-          <a:chOff x="0" y="0"/>
-          <a:chExt cx="0" cy="0"/>
-        </a:xfrm>
-      </p:grpSpPr>
-    </p:spTree>
-    <p:extLst>
-      <p:ext uri="{BB962C8B-B14F-4D97-AF65-F5344CB8AC3E}">
-        <p14:creationId xmlns:p14="http://schemas.microsoft.com/office/powerpoint/2010/main" val="3910420840"/>
-      </p:ext>
-    </p:extLst>
-  </p:cSld>
-  <p:clrMapOvr>
-    <a:masterClrMapping/>
-  </p:clrMapOvr>
-</p:sld>
-</file>
-
-<file path=ppt/slides/slide38.xml><?xml version="1.0" encoding="utf-8"?>
-<p:sld xmlns:a="http://schemas.openxmlformats.org/drawingml/2006/main" xmlns:r="http://schemas.openxmlformats.org/officeDocument/2006/relationships" xmlns:p="http://schemas.openxmlformats.org/presentationml/2006/main">
-  <p:cSld>
-    <p:spTree>
-      <p:nvGrpSpPr>
-        <p:cNvPr id="1" name=""/>
-        <p:cNvGrpSpPr/>
-        <p:nvPr/>
-      </p:nvGrpSpPr>
-      <p:grpSpPr>
-        <a:xfrm>
-          <a:off x="0" y="0"/>
-          <a:ext cx="0" cy="0"/>
-          <a:chOff x="0" y="0"/>
-          <a:chExt cx="0" cy="0"/>
-        </a:xfrm>
-      </p:grpSpPr>
-    </p:spTree>
-    <p:extLst>
-      <p:ext uri="{BB962C8B-B14F-4D97-AF65-F5344CB8AC3E}">
-        <p14:creationId xmlns:p14="http://schemas.microsoft.com/office/powerpoint/2010/main" val="2109257360"/>
-      </p:ext>
-    </p:extLst>
-  </p:cSld>
-  <p:clrMapOvr>
-    <a:masterClrMapping/>
-  </p:clrMapOvr>
-</p:sld>
-</file>
-
-<file path=ppt/slides/slide39.xml><?xml version="1.0" encoding="utf-8"?>
-<p:sld xmlns:a="http://schemas.openxmlformats.org/drawingml/2006/main" xmlns:r="http://schemas.openxmlformats.org/officeDocument/2006/relationships" xmlns:p="http://schemas.openxmlformats.org/presentationml/2006/main">
-  <p:cSld>
-    <p:spTree>
-      <p:nvGrpSpPr>
-        <p:cNvPr id="1" name=""/>
-        <p:cNvGrpSpPr/>
-        <p:nvPr/>
-      </p:nvGrpSpPr>
-      <p:grpSpPr>
-        <a:xfrm>
-          <a:off x="0" y="0"/>
-          <a:ext cx="0" cy="0"/>
-          <a:chOff x="0" y="0"/>
-          <a:chExt cx="0" cy="0"/>
-        </a:xfrm>
-      </p:grpSpPr>
-    </p:spTree>
-    <p:extLst>
-      <p:ext uri="{BB962C8B-B14F-4D97-AF65-F5344CB8AC3E}">
-        <p14:creationId xmlns:p14="http://schemas.microsoft.com/office/powerpoint/2010/main" val="719917450"/>
-      </p:ext>
-    </p:extLst>
-  </p:cSld>
-  <p:clrMapOvr>
-    <a:masterClrMapping/>
-  </p:clrMapOvr>
-</p:sld>
-</file>
-
 <file path=ppt/slides/slide4.xml><?xml version="1.0" encoding="utf-8"?>
 <p:sld xmlns:a="http://schemas.openxmlformats.org/drawingml/2006/main" xmlns:r="http://schemas.openxmlformats.org/officeDocument/2006/relationships" xmlns:p="http://schemas.openxmlformats.org/presentationml/2006/main">
   <p:cSld>
@@ -9766,8 +7505,8 @@
           </a:prstGeom>
         </p:spPr>
       </p:pic>
-      <mc:AlternateContent xmlns:mc="http://schemas.openxmlformats.org/markup-compatibility/2006">
-        <mc:Choice xmlns:p14="http://schemas.microsoft.com/office/powerpoint/2010/main" Requires="p14">
+      <mc:AlternateContent xmlns:mc="http://schemas.openxmlformats.org/markup-compatibility/2006" xmlns:p14="http://schemas.microsoft.com/office/powerpoint/2010/main">
+        <mc:Choice Requires="p14">
           <p:contentPart p14:bwMode="auto" r:id="rId3">
             <p14:nvContentPartPr>
               <p14:cNvPr id="5" name="잉크 4">
@@ -9786,7 +7525,7 @@
             </p14:xfrm>
           </p:contentPart>
         </mc:Choice>
-        <mc:Fallback>
+        <mc:Fallback xmlns="">
           <p:pic>
             <p:nvPicPr>
               <p:cNvPr id="5" name="잉크 4">
@@ -9930,8 +7669,8 @@
           </a:prstGeom>
         </p:spPr>
       </p:pic>
-      <mc:AlternateContent xmlns:mc="http://schemas.openxmlformats.org/markup-compatibility/2006">
-        <mc:Choice xmlns:p14="http://schemas.microsoft.com/office/powerpoint/2010/main" Requires="p14">
+      <mc:AlternateContent xmlns:mc="http://schemas.openxmlformats.org/markup-compatibility/2006" xmlns:p14="http://schemas.microsoft.com/office/powerpoint/2010/main">
+        <mc:Choice Requires="p14">
           <p:contentPart p14:bwMode="auto" r:id="rId3">
             <p14:nvContentPartPr>
               <p14:cNvPr id="6" name="잉크 5">
@@ -9950,7 +7689,7 @@
             </p14:xfrm>
           </p:contentPart>
         </mc:Choice>
-        <mc:Fallback>
+        <mc:Fallback xmlns="">
           <p:pic>
             <p:nvPicPr>
               <p:cNvPr id="6" name="잉크 5">
@@ -10324,8 +8063,8 @@
           </a:prstGeom>
         </p:spPr>
       </p:pic>
-      <mc:AlternateContent xmlns:mc="http://schemas.openxmlformats.org/markup-compatibility/2006">
-        <mc:Choice xmlns:p14="http://schemas.microsoft.com/office/powerpoint/2010/main" Requires="p14">
+      <mc:AlternateContent xmlns:mc="http://schemas.openxmlformats.org/markup-compatibility/2006" xmlns:p14="http://schemas.microsoft.com/office/powerpoint/2010/main">
+        <mc:Choice Requires="p14">
           <p:contentPart p14:bwMode="auto" r:id="rId3">
             <p14:nvContentPartPr>
               <p14:cNvPr id="4" name="잉크 3">
@@ -10344,7 +8083,7 @@
             </p14:xfrm>
           </p:contentPart>
         </mc:Choice>
-        <mc:Fallback>
+        <mc:Fallback xmlns="">
           <p:pic>
             <p:nvPicPr>
               <p:cNvPr id="4" name="잉크 3">
@@ -10747,8 +8486,8 @@
           </a:p>
         </p:txBody>
       </p:sp>
-      <mc:AlternateContent xmlns:mc="http://schemas.openxmlformats.org/markup-compatibility/2006">
-        <mc:Choice xmlns:p14="http://schemas.microsoft.com/office/powerpoint/2010/main" Requires="p14">
+      <mc:AlternateContent xmlns:mc="http://schemas.openxmlformats.org/markup-compatibility/2006" xmlns:p14="http://schemas.microsoft.com/office/powerpoint/2010/main">
+        <mc:Choice Requires="p14">
           <p:contentPart p14:bwMode="auto" r:id="rId3">
             <p14:nvContentPartPr>
               <p14:cNvPr id="5" name="잉크 4">
@@ -10767,7 +8506,7 @@
             </p14:xfrm>
           </p:contentPart>
         </mc:Choice>
-        <mc:Fallback>
+        <mc:Fallback xmlns="">
           <p:pic>
             <p:nvPicPr>
               <p:cNvPr id="5" name="잉크 4">
